--- a/Team Docs/Sprint 2 Presentation.pptx
+++ b/Team Docs/Sprint 2 Presentation.pptx
@@ -13,11 +13,11 @@
   <p:sldIdLst>
     <p:sldId id="259" r:id="rId5"/>
     <p:sldId id="269" r:id="rId6"/>
-    <p:sldId id="260" r:id="rId7"/>
-    <p:sldId id="273" r:id="rId8"/>
-    <p:sldId id="272" r:id="rId9"/>
-    <p:sldId id="270" r:id="rId10"/>
-    <p:sldId id="264" r:id="rId11"/>
+    <p:sldId id="272" r:id="rId7"/>
+    <p:sldId id="260" r:id="rId8"/>
+    <p:sldId id="273" r:id="rId9"/>
+    <p:sldId id="264" r:id="rId10"/>
+    <p:sldId id="270" r:id="rId11"/>
     <p:sldId id="271" r:id="rId12"/>
     <p:sldId id="261" r:id="rId13"/>
   </p:sldIdLst>
@@ -237,7 +237,7 @@
           <a:p>
             <a:fld id="{705E03B7-B591-4A2A-B695-014C5A39F13E}" type="datetimeFigureOut">
               <a:rPr lang="en-US"/>
-              <a:t>5/14/17</a:t>
+              <a:t>5/14/2017</a:t>
             </a:fld>
             <a:endParaRPr/>
           </a:p>
@@ -402,7 +402,7 @@
           <a:p>
             <a:fld id="{67DFBD7B-E4FB-4AA8-9540-FD148073ACB3}" type="datetimeFigureOut">
               <a:rPr lang="en-US"/>
-              <a:t>5/14/17</a:t>
+              <a:t>5/14/2017</a:t>
             </a:fld>
             <a:endParaRPr/>
           </a:p>
@@ -708,10 +708,10 @@
           <a:bodyPr/>
           <a:lstStyle/>
           <a:p>
-            <a:pPr marL="285750" indent="-285750">
-              <a:buFont typeface="Arial" panose="020B0604020202020204" pitchFamily="34" charset="0"/>
-              <a:buChar char="•"/>
-            </a:pPr>
+            <a:r>
+              <a:rPr lang="en-CA" dirty="0" err="1"/>
+              <a:t>Raly</a:t>
+            </a:r>
             <a:endParaRPr lang="en-CA" dirty="0"/>
           </a:p>
         </p:txBody>
@@ -733,7 +733,7 @@
           <a:p>
             <a:fld id="{B045B7DE-1198-4F2F-B574-CA8CAE341642}" type="slidenum">
               <a:rPr lang="en-CA" smtClean="0"/>
-              <a:t>2</a:t>
+              <a:t>1</a:t>
             </a:fld>
             <a:endParaRPr lang="en-CA"/>
           </a:p>
@@ -742,7 +742,7 @@
     </p:spTree>
     <p:extLst>
       <p:ext uri="{BB962C8B-B14F-4D97-AF65-F5344CB8AC3E}">
-        <p14:creationId xmlns:p14="http://schemas.microsoft.com/office/powerpoint/2010/main" val="1372152556"/>
+        <p14:creationId xmlns:p14="http://schemas.microsoft.com/office/powerpoint/2010/main" val="2373362296"/>
       </p:ext>
     </p:extLst>
   </p:cSld>
@@ -796,6 +796,14 @@
           <a:bodyPr/>
           <a:lstStyle/>
           <a:p>
+            <a:pPr marL="285750" indent="-285750">
+              <a:buFont typeface="Arial" panose="020B0604020202020204" pitchFamily="34" charset="0"/>
+              <a:buChar char="•"/>
+            </a:pPr>
+            <a:r>
+              <a:rPr lang="en-CA" dirty="0" err="1"/>
+              <a:t>Raly</a:t>
+            </a:r>
             <a:endParaRPr lang="en-CA" dirty="0"/>
           </a:p>
         </p:txBody>
@@ -817,7 +825,7 @@
           <a:p>
             <a:fld id="{B045B7DE-1198-4F2F-B574-CA8CAE341642}" type="slidenum">
               <a:rPr lang="en-CA" smtClean="0"/>
-              <a:t>3</a:t>
+              <a:t>2</a:t>
             </a:fld>
             <a:endParaRPr lang="en-CA"/>
           </a:p>
@@ -826,7 +834,7 @@
     </p:spTree>
     <p:extLst>
       <p:ext uri="{BB962C8B-B14F-4D97-AF65-F5344CB8AC3E}">
-        <p14:creationId xmlns:p14="http://schemas.microsoft.com/office/powerpoint/2010/main" val="1061167445"/>
+        <p14:creationId xmlns:p14="http://schemas.microsoft.com/office/powerpoint/2010/main" val="1372152556"/>
       </p:ext>
     </p:extLst>
   </p:cSld>
@@ -880,6 +888,10 @@
           <a:bodyPr/>
           <a:lstStyle/>
           <a:p>
+            <a:r>
+              <a:rPr lang="en-CA" dirty="0" err="1"/>
+              <a:t>Raly</a:t>
+            </a:r>
             <a:endParaRPr lang="en-CA" dirty="0"/>
           </a:p>
         </p:txBody>
@@ -901,7 +913,7 @@
           <a:p>
             <a:fld id="{B045B7DE-1198-4F2F-B574-CA8CAE341642}" type="slidenum">
               <a:rPr lang="en-CA" smtClean="0"/>
-              <a:t>4</a:t>
+              <a:t>3</a:t>
             </a:fld>
             <a:endParaRPr lang="en-CA"/>
           </a:p>
@@ -910,7 +922,7 @@
     </p:spTree>
     <p:extLst>
       <p:ext uri="{BB962C8B-B14F-4D97-AF65-F5344CB8AC3E}">
-        <p14:creationId xmlns:p14="http://schemas.microsoft.com/office/powerpoint/2010/main" val="1290079810"/>
+        <p14:creationId xmlns:p14="http://schemas.microsoft.com/office/powerpoint/2010/main" val="575839507"/>
       </p:ext>
     </p:extLst>
   </p:cSld>
@@ -985,7 +997,7 @@
           <a:p>
             <a:fld id="{B045B7DE-1198-4F2F-B574-CA8CAE341642}" type="slidenum">
               <a:rPr lang="en-CA" smtClean="0"/>
-              <a:t>5</a:t>
+              <a:t>4</a:t>
             </a:fld>
             <a:endParaRPr lang="en-CA"/>
           </a:p>
@@ -994,7 +1006,7 @@
     </p:spTree>
     <p:extLst>
       <p:ext uri="{BB962C8B-B14F-4D97-AF65-F5344CB8AC3E}">
-        <p14:creationId xmlns:p14="http://schemas.microsoft.com/office/powerpoint/2010/main" val="575839507"/>
+        <p14:creationId xmlns:p14="http://schemas.microsoft.com/office/powerpoint/2010/main" val="1061167445"/>
       </p:ext>
     </p:extLst>
   </p:cSld>
@@ -1048,7 +1060,54 @@
           <a:bodyPr/>
           <a:lstStyle/>
           <a:p>
-            <a:endParaRPr lang="en-CA" dirty="0"/>
+            <a:pPr marL="0" indent="0">
+              <a:buFont typeface="Arial" panose="020B0604020202020204" pitchFamily="34" charset="0"/>
+              <a:buNone/>
+            </a:pPr>
+            <a:r>
+              <a:rPr lang="en-CA" dirty="0"/>
+              <a:t>Toni</a:t>
+            </a:r>
+          </a:p>
+          <a:p>
+            <a:pPr marL="285750" indent="-285750">
+              <a:buFont typeface="Arial" panose="020B0604020202020204" pitchFamily="34" charset="0"/>
+              <a:buChar char="•"/>
+            </a:pPr>
+            <a:r>
+              <a:rPr lang="en-CA" dirty="0"/>
+              <a:t>UI improvements</a:t>
+            </a:r>
+          </a:p>
+          <a:p>
+            <a:pPr marL="895243" lvl="1" indent="-285750">
+              <a:buFont typeface="Arial" panose="020B0604020202020204" pitchFamily="34" charset="0"/>
+              <a:buChar char="•"/>
+            </a:pPr>
+            <a:r>
+              <a:rPr lang="en-CA" dirty="0"/>
+              <a:t>Gestures</a:t>
+            </a:r>
+          </a:p>
+          <a:p>
+            <a:pPr marL="895243" lvl="1" indent="-285750">
+              <a:buFont typeface="Arial" panose="020B0604020202020204" pitchFamily="34" charset="0"/>
+              <a:buChar char="•"/>
+            </a:pPr>
+            <a:r>
+              <a:rPr lang="en-CA" dirty="0"/>
+              <a:t>Bug-free</a:t>
+            </a:r>
+          </a:p>
+          <a:p>
+            <a:pPr marL="895243" lvl="1" indent="-285750">
+              <a:buFont typeface="Arial" panose="020B0604020202020204" pitchFamily="34" charset="0"/>
+              <a:buChar char="•"/>
+            </a:pPr>
+            <a:r>
+              <a:rPr lang="en-CA" dirty="0"/>
+              <a:t>Responsive across all screen sizes</a:t>
+            </a:r>
           </a:p>
         </p:txBody>
       </p:sp>
@@ -1069,7 +1128,7 @@
           <a:p>
             <a:fld id="{B045B7DE-1198-4F2F-B574-CA8CAE341642}" type="slidenum">
               <a:rPr lang="en-CA" smtClean="0"/>
-              <a:t>6</a:t>
+              <a:t>5</a:t>
             </a:fld>
             <a:endParaRPr lang="en-CA"/>
           </a:p>
@@ -1078,7 +1137,7 @@
     </p:spTree>
     <p:extLst>
       <p:ext uri="{BB962C8B-B14F-4D97-AF65-F5344CB8AC3E}">
-        <p14:creationId xmlns:p14="http://schemas.microsoft.com/office/powerpoint/2010/main" val="703389724"/>
+        <p14:creationId xmlns:p14="http://schemas.microsoft.com/office/powerpoint/2010/main" val="1290079810"/>
       </p:ext>
     </p:extLst>
   </p:cSld>
@@ -1157,7 +1216,7 @@
           <a:p>
             <a:fld id="{B045B7DE-1198-4F2F-B574-CA8CAE341642}" type="slidenum">
               <a:rPr lang="en-CA" smtClean="0"/>
-              <a:t>7</a:t>
+              <a:t>6</a:t>
             </a:fld>
             <a:endParaRPr lang="en-CA"/>
           </a:p>
@@ -1220,6 +1279,90 @@
           <a:bodyPr/>
           <a:lstStyle/>
           <a:p>
+            <a:endParaRPr lang="en-CA" dirty="0"/>
+          </a:p>
+        </p:txBody>
+      </p:sp>
+      <p:sp>
+        <p:nvSpPr>
+          <p:cNvPr id="4" name="Slide Number Placeholder 3"/>
+          <p:cNvSpPr>
+            <a:spLocks noGrp="1"/>
+          </p:cNvSpPr>
+          <p:nvPr>
+            <p:ph type="sldNum" sz="quarter" idx="10"/>
+          </p:nvPr>
+        </p:nvSpPr>
+        <p:spPr/>
+        <p:txBody>
+          <a:bodyPr/>
+          <a:lstStyle/>
+          <a:p>
+            <a:fld id="{B045B7DE-1198-4F2F-B574-CA8CAE341642}" type="slidenum">
+              <a:rPr lang="en-CA" smtClean="0"/>
+              <a:t>7</a:t>
+            </a:fld>
+            <a:endParaRPr lang="en-CA"/>
+          </a:p>
+        </p:txBody>
+      </p:sp>
+    </p:spTree>
+    <p:extLst>
+      <p:ext uri="{BB962C8B-B14F-4D97-AF65-F5344CB8AC3E}">
+        <p14:creationId xmlns:p14="http://schemas.microsoft.com/office/powerpoint/2010/main" val="703389724"/>
+      </p:ext>
+    </p:extLst>
+  </p:cSld>
+  <p:clrMapOvr>
+    <a:masterClrMapping/>
+  </p:clrMapOvr>
+</p:notes>
+</file>
+
+<file path=ppt/notesSlides/notesSlide8.xml><?xml version="1.0" encoding="utf-8"?>
+<p:notes xmlns:a="http://schemas.openxmlformats.org/drawingml/2006/main" xmlns:r="http://schemas.openxmlformats.org/officeDocument/2006/relationships" xmlns:p="http://schemas.openxmlformats.org/presentationml/2006/main">
+  <p:cSld>
+    <p:spTree>
+      <p:nvGrpSpPr>
+        <p:cNvPr id="1" name=""/>
+        <p:cNvGrpSpPr/>
+        <p:nvPr/>
+      </p:nvGrpSpPr>
+      <p:grpSpPr>
+        <a:xfrm>
+          <a:off x="0" y="0"/>
+          <a:ext cx="0" cy="0"/>
+          <a:chOff x="0" y="0"/>
+          <a:chExt cx="0" cy="0"/>
+        </a:xfrm>
+      </p:grpSpPr>
+      <p:sp>
+        <p:nvSpPr>
+          <p:cNvPr id="2" name="Slide Image Placeholder 1"/>
+          <p:cNvSpPr>
+            <a:spLocks noGrp="1" noRot="1" noChangeAspect="1"/>
+          </p:cNvSpPr>
+          <p:nvPr>
+            <p:ph type="sldImg"/>
+          </p:nvPr>
+        </p:nvSpPr>
+        <p:spPr/>
+      </p:sp>
+      <p:sp>
+        <p:nvSpPr>
+          <p:cNvPr id="3" name="Notes Placeholder 2"/>
+          <p:cNvSpPr>
+            <a:spLocks noGrp="1"/>
+          </p:cNvSpPr>
+          <p:nvPr>
+            <p:ph type="body" idx="1"/>
+          </p:nvPr>
+        </p:nvSpPr>
+        <p:spPr/>
+        <p:txBody>
+          <a:bodyPr/>
+          <a:lstStyle/>
+          <a:p>
             <a:pPr marL="285750" indent="-285750">
               <a:buFont typeface="Arial" panose="020B0604020202020204" pitchFamily="34" charset="0"/>
               <a:buChar char="•"/>
@@ -1264,7 +1407,7 @@
 </p:notes>
 </file>
 
-<file path=ppt/notesSlides/notesSlide8.xml><?xml version="1.0" encoding="utf-8"?>
+<file path=ppt/notesSlides/notesSlide9.xml><?xml version="1.0" encoding="utf-8"?>
 <p:notes xmlns:a="http://schemas.openxmlformats.org/drawingml/2006/main" xmlns:r="http://schemas.openxmlformats.org/officeDocument/2006/relationships" xmlns:p="http://schemas.openxmlformats.org/presentationml/2006/main">
   <p:cSld>
     <p:spTree>
@@ -1732,7 +1875,7 @@
           <a:p>
             <a:fld id="{A7209051-6E81-43E8-9099-FF6A0C3DCFE8}" type="datetime1">
               <a:rPr lang="en-US"/>
-              <a:t>5/14/17</a:t>
+              <a:t>5/14/2017</a:t>
             </a:fld>
             <a:endParaRPr/>
           </a:p>
@@ -1933,7 +2076,7 @@
           <a:p>
             <a:fld id="{EDCEAB04-7709-4C1E-A61A-74684A0170FC}" type="datetime1">
               <a:rPr lang="en-US"/>
-              <a:t>5/14/17</a:t>
+              <a:t>5/14/2017</a:t>
             </a:fld>
             <a:endParaRPr/>
           </a:p>
@@ -2483,7 +2626,7 @@
           <a:p>
             <a:fld id="{0C79BD0D-E0B1-4CED-AC65-708AC79EB9CD}" type="datetime1">
               <a:rPr lang="en-US"/>
-              <a:t>5/14/17</a:t>
+              <a:t>5/14/2017</a:t>
             </a:fld>
             <a:endParaRPr/>
           </a:p>
@@ -2684,7 +2827,7 @@
           <a:p>
             <a:fld id="{0CC3EA6D-DF0B-4D4B-B359-5F1D1D0E30A4}" type="datetime1">
               <a:rPr lang="en-US"/>
-              <a:t>5/14/17</a:t>
+              <a:t>5/14/2017</a:t>
             </a:fld>
             <a:endParaRPr/>
           </a:p>
@@ -3288,7 +3431,7 @@
           <a:p>
             <a:fld id="{977EDB99-15BC-4479-BAC5-1E502E66917A}" type="datetime1">
               <a:rPr lang="en-US"/>
-              <a:t>5/14/17</a:t>
+              <a:t>5/14/2017</a:t>
             </a:fld>
             <a:endParaRPr/>
           </a:p>
@@ -3600,7 +3743,7 @@
           <a:p>
             <a:fld id="{4067C2A3-CD19-48AB-9F64-ECCF75182EDD}" type="datetime1">
               <a:rPr lang="en-US"/>
-              <a:t>5/14/17</a:t>
+              <a:t>5/14/2017</a:t>
             </a:fld>
             <a:endParaRPr/>
           </a:p>
@@ -4062,7 +4205,7 @@
           <a:p>
             <a:fld id="{0363E8C1-7C87-4705-AB97-8CD17D208E3F}" type="datetime1">
               <a:rPr lang="en-US"/>
-              <a:t>5/14/17</a:t>
+              <a:t>5/14/2017</a:t>
             </a:fld>
             <a:endParaRPr/>
           </a:p>
@@ -4195,7 +4338,7 @@
           <a:p>
             <a:fld id="{E20C624E-DF92-4841-B9B9-DD11AA239B85}" type="datetime1">
               <a:rPr lang="en-US"/>
-              <a:t>5/14/17</a:t>
+              <a:t>5/14/2017</a:t>
             </a:fld>
             <a:endParaRPr/>
           </a:p>
@@ -4488,7 +4631,7 @@
           <a:p>
             <a:fld id="{FBDA3AE1-4360-4D5B-BDBC-656B872DD533}" type="datetime1">
               <a:rPr lang="en-US"/>
-              <a:t>5/14/17</a:t>
+              <a:t>5/14/2017</a:t>
             </a:fld>
             <a:endParaRPr/>
           </a:p>
@@ -4787,7 +4930,7 @@
           <a:p>
             <a:fld id="{20990708-46A4-4851-883E-8DFB8939107E}" type="datetime1">
               <a:rPr lang="en-US"/>
-              <a:t>5/14/17</a:t>
+              <a:t>5/14/2017</a:t>
             </a:fld>
             <a:endParaRPr/>
           </a:p>
@@ -5071,7 +5214,7 @@
           <a:p>
             <a:fld id="{AE88EFFC-86AE-4294-A319-CAFC2651994B}" type="datetime1">
               <a:rPr lang="en-US"/>
-              <a:t>5/14/17</a:t>
+              <a:t>5/14/2017</a:t>
             </a:fld>
             <a:endParaRPr/>
           </a:p>
@@ -5653,7 +5796,7 @@
             <a:fld id="{D29E8617-6EA8-4B97-A5E8-E18E98765EE2}" type="datetime1">
               <a:rPr lang="en-US"/>
               <a:pPr/>
-              <a:t>5/14/17</a:t>
+              <a:t>5/14/2017</a:t>
             </a:fld>
             <a:endParaRPr dirty="0"/>
           </a:p>
@@ -6152,7 +6295,7 @@
           <p:nvPr/>
         </p:nvPicPr>
         <p:blipFill>
-          <a:blip r:embed="rId2">
+          <a:blip r:embed="rId3">
             <a:extLst>
               <a:ext uri="{28A0092B-C50C-407E-A947-70E740481C1C}">
                 <a14:useLocalDpi xmlns:a14="http://schemas.microsoft.com/office/drawing/2010/main" val="0"/>
@@ -6490,7 +6633,7 @@
             <a:pPr lvl="1"/>
             <a:r>
               <a:rPr lang="en-CA" dirty="0"/>
-              <a:t>Make sure you use it – Fridge expiry trackers and push notifications</a:t>
+              <a:t>Make sure you use it – Fridge expiry trackers and notifications</a:t>
             </a:r>
           </a:p>
           <a:p>
@@ -6503,7 +6646,7 @@
       </p:sp>
       <p:pic>
         <p:nvPicPr>
-          <p:cNvPr id="5" name="Picture 4"/>
+          <p:cNvPr id="6" name="Picture 5" descr="A picture containing vector graphics&#10;&#10;Description generated with high confidence"/>
           <p:cNvPicPr>
             <a:picLocks noChangeAspect="1"/>
           </p:cNvPicPr>
@@ -6523,8 +6666,8 @@
         </p:blipFill>
         <p:spPr>
           <a:xfrm>
-            <a:off x="4510236" y="3356992"/>
-            <a:ext cx="1799946" cy="2399928"/>
+            <a:off x="4654252" y="3212976"/>
+            <a:ext cx="1907672" cy="2543563"/>
           </a:xfrm>
           <a:prstGeom prst="rect">
             <a:avLst/>
@@ -6533,118 +6676,86 @@
       </p:pic>
       <p:pic>
         <p:nvPicPr>
-          <p:cNvPr id="7" name="Picture 6"/>
+          <p:cNvPr id="1028" name="Picture 4" descr="#"/>
           <p:cNvPicPr>
-            <a:picLocks noChangeAspect="1"/>
+            <a:picLocks noChangeAspect="1" noChangeArrowheads="1"/>
           </p:cNvPicPr>
           <p:nvPr/>
         </p:nvPicPr>
         <p:blipFill>
-          <a:blip r:embed="rId4" cstate="print">
+          <a:blip r:embed="rId4">
             <a:extLst>
               <a:ext uri="{28A0092B-C50C-407E-A947-70E740481C1C}">
                 <a14:useLocalDpi xmlns:a14="http://schemas.microsoft.com/office/drawing/2010/main" val="0"/>
               </a:ext>
             </a:extLst>
           </a:blip>
+          <a:srcRect/>
           <a:stretch>
             <a:fillRect/>
           </a:stretch>
         </p:blipFill>
-        <p:spPr>
+        <p:spPr bwMode="auto">
           <a:xfrm>
-            <a:off x="4726260" y="4077072"/>
-            <a:ext cx="656946" cy="875928"/>
+            <a:off x="4150196" y="4221088"/>
+            <a:ext cx="647700" cy="857250"/>
           </a:xfrm>
           <a:prstGeom prst="rect">
             <a:avLst/>
           </a:prstGeom>
+          <a:noFill/>
+          <a:extLst>
+            <a:ext uri="{909E8E84-426E-40DD-AFC4-6F175D3DCCD1}">
+              <a14:hiddenFill xmlns:a14="http://schemas.microsoft.com/office/drawing/2010/main">
+                <a:solidFill>
+                  <a:srgbClr val="FFFFFF"/>
+                </a:solidFill>
+              </a14:hiddenFill>
+            </a:ext>
+          </a:extLst>
         </p:spPr>
       </p:pic>
       <p:pic>
         <p:nvPicPr>
-          <p:cNvPr id="8" name="Picture 7"/>
+          <p:cNvPr id="1030" name="Picture 6" descr="#"/>
           <p:cNvPicPr>
-            <a:picLocks noChangeAspect="1"/>
+            <a:picLocks noChangeAspect="1" noChangeArrowheads="1"/>
           </p:cNvPicPr>
           <p:nvPr/>
         </p:nvPicPr>
         <p:blipFill>
-          <a:blip r:embed="rId4" cstate="print">
+          <a:blip r:embed="rId5">
             <a:extLst>
               <a:ext uri="{28A0092B-C50C-407E-A947-70E740481C1C}">
                 <a14:useLocalDpi xmlns:a14="http://schemas.microsoft.com/office/drawing/2010/main" val="0"/>
               </a:ext>
             </a:extLst>
           </a:blip>
+          <a:srcRect/>
           <a:stretch>
             <a:fillRect/>
           </a:stretch>
         </p:blipFill>
-        <p:spPr>
+        <p:spPr bwMode="auto">
           <a:xfrm>
-            <a:off x="5189748" y="4077072"/>
-            <a:ext cx="656946" cy="875928"/>
+            <a:off x="6414914" y="4221088"/>
+            <a:ext cx="676275" cy="857250"/>
           </a:xfrm>
           <a:prstGeom prst="rect">
             <a:avLst/>
           </a:prstGeom>
+          <a:noFill/>
+          <a:extLst>
+            <a:ext uri="{909E8E84-426E-40DD-AFC4-6F175D3DCCD1}">
+              <a14:hiddenFill xmlns:a14="http://schemas.microsoft.com/office/drawing/2010/main">
+                <a:solidFill>
+                  <a:srgbClr val="FFFFFF"/>
+                </a:solidFill>
+              </a14:hiddenFill>
+            </a:ext>
+          </a:extLst>
         </p:spPr>
       </p:pic>
-      <p:sp>
-        <p:nvSpPr>
-          <p:cNvPr id="9" name="Oval 8"/>
-          <p:cNvSpPr/>
-          <p:nvPr/>
-        </p:nvSpPr>
-        <p:spPr>
-          <a:xfrm>
-            <a:off x="5065290" y="4736976"/>
-            <a:ext cx="512930" cy="432048"/>
-          </a:xfrm>
-          <a:prstGeom prst="ellipse">
-            <a:avLst/>
-          </a:prstGeom>
-          <a:solidFill>
-            <a:schemeClr val="accent4">
-              <a:lumMod val="60000"/>
-              <a:lumOff val="40000"/>
-            </a:schemeClr>
-          </a:solidFill>
-          <a:ln>
-            <a:solidFill>
-              <a:schemeClr val="accent4">
-                <a:lumMod val="60000"/>
-                <a:lumOff val="40000"/>
-              </a:schemeClr>
-            </a:solidFill>
-          </a:ln>
-        </p:spPr>
-        <p:style>
-          <a:lnRef idx="2">
-            <a:schemeClr val="accent1">
-              <a:shade val="50000"/>
-            </a:schemeClr>
-          </a:lnRef>
-          <a:fillRef idx="1">
-            <a:schemeClr val="accent1"/>
-          </a:fillRef>
-          <a:effectRef idx="0">
-            <a:schemeClr val="accent1"/>
-          </a:effectRef>
-          <a:fontRef idx="minor">
-            <a:schemeClr val="lt1"/>
-          </a:fontRef>
-        </p:style>
-        <p:txBody>
-          <a:bodyPr rtlCol="0" anchor="ctr"/>
-          <a:lstStyle/>
-          <a:p>
-            <a:pPr algn="ctr"/>
-            <a:endParaRPr lang="en-CA"/>
-          </a:p>
-        </p:txBody>
-      </p:sp>
     </p:spTree>
     <p:extLst>
       <p:ext uri="{BB962C8B-B14F-4D97-AF65-F5344CB8AC3E}">
@@ -6667,13 +6778,6 @@
       </p:transition>
     </mc:Fallback>
   </mc:AlternateContent>
-  <p:timing>
-    <p:tnLst>
-      <p:par>
-        <p:cTn id="1" dur="indefinite" restart="never" nodeType="tmRoot"/>
-      </p:par>
-    </p:tnLst>
-  </p:timing>
 </p:sld>
 </file>
 
@@ -6710,10 +6814,9 @@
           <a:lstStyle/>
           <a:p>
             <a:r>
-              <a:rPr lang="en-US" dirty="0" smtClean="0"/>
-              <a:t>Sprint 2 Goals: Server Side</a:t>
-            </a:r>
-            <a:endParaRPr lang="en-US" dirty="0"/>
+              <a:rPr lang="en-US" dirty="0"/>
+              <a:t>Where we left off:</a:t>
+            </a:r>
           </a:p>
         </p:txBody>
       </p:sp>
@@ -6725,113 +6828,6 @@
           </p:cNvSpPr>
           <p:nvPr>
             <p:ph idx="1"/>
-          </p:nvPr>
-        </p:nvSpPr>
-        <p:spPr/>
-        <p:txBody>
-          <a:bodyPr>
-            <a:normAutofit/>
-          </a:bodyPr>
-          <a:lstStyle/>
-          <a:p>
-            <a:r>
-              <a:rPr lang="en-US" dirty="0" smtClean="0"/>
-              <a:t>Research Data</a:t>
-            </a:r>
-          </a:p>
-          <a:p>
-            <a:r>
-              <a:rPr lang="en-US" dirty="0" smtClean="0"/>
-              <a:t>Integrate with Database</a:t>
-            </a:r>
-            <a:br>
-              <a:rPr lang="en-US" dirty="0" smtClean="0"/>
-            </a:br>
-            <a:r>
-              <a:rPr lang="en-US" dirty="0" smtClean="0"/>
-              <a:t>- Authentication </a:t>
-            </a:r>
-            <a:br>
-              <a:rPr lang="en-US" dirty="0" smtClean="0"/>
-            </a:br>
-            <a:r>
-              <a:rPr lang="en-US" dirty="0" smtClean="0"/>
-              <a:t>- User Data (ex: lists)</a:t>
-            </a:r>
-            <a:br>
-              <a:rPr lang="en-US" dirty="0" smtClean="0"/>
-            </a:br>
-            <a:r>
-              <a:rPr lang="en-US" dirty="0" smtClean="0"/>
-              <a:t>- Read Only Data (ex: expiry dates)</a:t>
-            </a:r>
-          </a:p>
-          <a:p>
-            <a:r>
-              <a:rPr lang="en-US" dirty="0" smtClean="0"/>
-              <a:t>Achieve Full baseline functionality</a:t>
-            </a:r>
-            <a:endParaRPr lang="en-US" dirty="0"/>
-          </a:p>
-        </p:txBody>
-      </p:sp>
-    </p:spTree>
-    <p:extLst>
-      <p:ext uri="{BB962C8B-B14F-4D97-AF65-F5344CB8AC3E}">
-        <p14:creationId xmlns:p14="http://schemas.microsoft.com/office/powerpoint/2010/main" val="2891628767"/>
-      </p:ext>
-    </p:extLst>
-  </p:cSld>
-  <p:clrMapOvr>
-    <a:masterClrMapping/>
-  </p:clrMapOvr>
-  <mc:AlternateContent xmlns:mc="http://schemas.openxmlformats.org/markup-compatibility/2006" xmlns:p14="http://schemas.microsoft.com/office/powerpoint/2010/main">
-    <mc:Choice Requires="p14">
-      <p:transition spd="med" p14:dur="700">
-        <p:fade/>
-      </p:transition>
-    </mc:Choice>
-    <mc:Fallback xmlns="">
-      <p:transition spd="med">
-        <p:fade/>
-      </p:transition>
-    </mc:Fallback>
-  </mc:AlternateContent>
-  <p:timing>
-    <p:tnLst>
-      <p:par>
-        <p:cTn id="1" dur="indefinite" restart="never" nodeType="tmRoot"/>
-      </p:par>
-    </p:tnLst>
-  </p:timing>
-</p:sld>
-</file>
-
-<file path=ppt/slides/slide4.xml><?xml version="1.0" encoding="utf-8"?>
-<p:sld xmlns:a="http://schemas.openxmlformats.org/drawingml/2006/main" xmlns:r="http://schemas.openxmlformats.org/officeDocument/2006/relationships" xmlns:p="http://schemas.openxmlformats.org/presentationml/2006/main">
-  <p:cSld>
-    <p:spTree>
-      <p:nvGrpSpPr>
-        <p:cNvPr id="1" name=""/>
-        <p:cNvGrpSpPr/>
-        <p:nvPr/>
-      </p:nvGrpSpPr>
-      <p:grpSpPr>
-        <a:xfrm>
-          <a:off x="0" y="0"/>
-          <a:ext cx="0" cy="0"/>
-          <a:chOff x="0" y="0"/>
-          <a:chExt cx="0" cy="0"/>
-        </a:xfrm>
-      </p:grpSpPr>
-      <p:sp>
-        <p:nvSpPr>
-          <p:cNvPr id="2" name="Title 1"/>
-          <p:cNvSpPr>
-            <a:spLocks noGrp="1"/>
-          </p:cNvSpPr>
-          <p:nvPr>
-            <p:ph type="title"/>
           </p:nvPr>
         </p:nvSpPr>
         <p:spPr/>
@@ -6840,169 +6836,224 @@
           <a:lstStyle/>
           <a:p>
             <a:r>
-              <a:rPr lang="en-US" dirty="0" smtClean="0"/>
-              <a:t>Sprint 2 Goals: Client Side</a:t>
-            </a:r>
-            <a:endParaRPr lang="en-US" dirty="0"/>
+              <a:rPr lang="en-US" dirty="0"/>
+              <a:t>UI draft complete.</a:t>
+            </a:r>
+          </a:p>
+          <a:p>
+            <a:r>
+              <a:rPr lang="en-US" dirty="0"/>
+              <a:t>Site is Bootstrap responsive. </a:t>
+            </a:r>
+          </a:p>
+          <a:p>
+            <a:r>
+              <a:rPr lang="en-US" dirty="0"/>
+              <a:t>Angular 4 framework working.</a:t>
+            </a:r>
+          </a:p>
+          <a:p>
+            <a:r>
+              <a:rPr lang="en-US" dirty="0"/>
+              <a:t>Basic front-end functionality</a:t>
+            </a:r>
           </a:p>
         </p:txBody>
       </p:sp>
-      <p:sp>
-        <p:nvSpPr>
-          <p:cNvPr id="5" name="Content Placeholder 4"/>
-          <p:cNvSpPr>
-            <a:spLocks noGrp="1"/>
-          </p:cNvSpPr>
-          <p:nvPr>
-            <p:ph idx="1"/>
-          </p:nvPr>
-        </p:nvSpPr>
-        <p:spPr/>
-        <p:txBody>
-          <a:bodyPr>
-            <a:normAutofit/>
-          </a:bodyPr>
-          <a:lstStyle/>
-          <a:p>
-            <a:r>
-              <a:rPr lang="en-US" dirty="0" smtClean="0"/>
-              <a:t>Live expiration tracking</a:t>
-            </a:r>
-          </a:p>
-          <a:p>
-            <a:r>
-              <a:rPr lang="en-US" dirty="0" smtClean="0"/>
-              <a:t>Login / log-out, account details</a:t>
-            </a:r>
-          </a:p>
-          <a:p>
-            <a:r>
-              <a:rPr lang="en-US" dirty="0" smtClean="0"/>
-              <a:t>UI improvements</a:t>
-            </a:r>
-          </a:p>
-          <a:p>
-            <a:r>
-              <a:rPr lang="en-US" dirty="0" smtClean="0"/>
-              <a:t>Challenge Integration</a:t>
-            </a:r>
-            <a:endParaRPr lang="en-US" dirty="0"/>
-          </a:p>
-        </p:txBody>
-      </p:sp>
-    </p:spTree>
-    <p:extLst>
-      <p:ext uri="{BB962C8B-B14F-4D97-AF65-F5344CB8AC3E}">
-        <p14:creationId xmlns:p14="http://schemas.microsoft.com/office/powerpoint/2010/main" val="381351894"/>
-      </p:ext>
-    </p:extLst>
-  </p:cSld>
-  <p:clrMapOvr>
-    <a:masterClrMapping/>
-  </p:clrMapOvr>
-  <mc:AlternateContent xmlns:mc="http://schemas.openxmlformats.org/markup-compatibility/2006" xmlns:p14="http://schemas.microsoft.com/office/powerpoint/2010/main">
-    <mc:Choice Requires="p14">
-      <p:transition spd="med" p14:dur="700">
-        <p:fade/>
-      </p:transition>
-    </mc:Choice>
-    <mc:Fallback xmlns="">
-      <p:transition spd="med">
-        <p:fade/>
-      </p:transition>
-    </mc:Fallback>
-  </mc:AlternateContent>
-  <p:timing>
-    <p:tnLst>
-      <p:par>
-        <p:cTn id="1" dur="indefinite" restart="never" nodeType="tmRoot"/>
-      </p:par>
-    </p:tnLst>
-  </p:timing>
-</p:sld>
-</file>
-
-<file path=ppt/slides/slide5.xml><?xml version="1.0" encoding="utf-8"?>
-<p:sld xmlns:a="http://schemas.openxmlformats.org/drawingml/2006/main" xmlns:r="http://schemas.openxmlformats.org/officeDocument/2006/relationships" xmlns:p="http://schemas.openxmlformats.org/presentationml/2006/main">
-  <p:cSld>
-    <p:spTree>
-      <p:nvGrpSpPr>
-        <p:cNvPr id="1" name=""/>
-        <p:cNvGrpSpPr/>
-        <p:nvPr/>
-      </p:nvGrpSpPr>
-      <p:grpSpPr>
-        <a:xfrm>
-          <a:off x="0" y="0"/>
-          <a:ext cx="0" cy="0"/>
-          <a:chOff x="0" y="0"/>
-          <a:chExt cx="0" cy="0"/>
-        </a:xfrm>
-      </p:grpSpPr>
-      <p:sp>
-        <p:nvSpPr>
-          <p:cNvPr id="2" name="Title 1"/>
-          <p:cNvSpPr>
-            <a:spLocks noGrp="1"/>
-          </p:cNvSpPr>
-          <p:nvPr>
-            <p:ph type="title"/>
-          </p:nvPr>
-        </p:nvSpPr>
-        <p:spPr/>
-        <p:txBody>
-          <a:bodyPr/>
-          <a:lstStyle/>
-          <a:p>
-            <a:r>
-              <a:rPr lang="en-US" dirty="0" smtClean="0"/>
-              <a:t>Where we left off:</a:t>
-            </a:r>
-            <a:endParaRPr lang="en-US" dirty="0"/>
-          </a:p>
-        </p:txBody>
-      </p:sp>
-      <p:sp>
-        <p:nvSpPr>
-          <p:cNvPr id="5" name="Content Placeholder 4"/>
-          <p:cNvSpPr>
-            <a:spLocks noGrp="1"/>
-          </p:cNvSpPr>
-          <p:nvPr>
-            <p:ph idx="1"/>
-          </p:nvPr>
-        </p:nvSpPr>
-        <p:spPr/>
-        <p:txBody>
-          <a:bodyPr/>
-          <a:lstStyle/>
-          <a:p>
-            <a:r>
-              <a:rPr lang="en-US" dirty="0" smtClean="0"/>
-              <a:t>UI draft complete.</a:t>
-            </a:r>
-          </a:p>
-          <a:p>
-            <a:r>
-              <a:rPr lang="en-US" dirty="0" smtClean="0"/>
-              <a:t>Site is Bootstrap responsive. </a:t>
-            </a:r>
-          </a:p>
-          <a:p>
-            <a:r>
-              <a:rPr lang="en-US" dirty="0" smtClean="0"/>
-              <a:t>Angular 4 framework working.</a:t>
-            </a:r>
-          </a:p>
-          <a:p>
-            <a:r>
-              <a:rPr lang="en-US" dirty="0" smtClean="0"/>
-              <a:t>Front-end functional </a:t>
-            </a:r>
-            <a:endParaRPr lang="en-US" dirty="0"/>
-          </a:p>
-        </p:txBody>
-      </p:sp>
+      <p:pic>
+        <p:nvPicPr>
+          <p:cNvPr id="7" name="Picture 6"/>
+          <p:cNvPicPr>
+            <a:picLocks noChangeAspect="1"/>
+          </p:cNvPicPr>
+          <p:nvPr/>
+        </p:nvPicPr>
+        <p:blipFill>
+          <a:blip r:embed="rId3">
+            <a:extLst>
+              <a:ext uri="{28A0092B-C50C-407E-A947-70E740481C1C}">
+                <a14:useLocalDpi xmlns:a14="http://schemas.microsoft.com/office/drawing/2010/main" val="0"/>
+              </a:ext>
+            </a:extLst>
+          </a:blip>
+          <a:stretch>
+            <a:fillRect/>
+          </a:stretch>
+        </p:blipFill>
+        <p:spPr>
+          <a:xfrm>
+            <a:off x="7891188" y="1141801"/>
+            <a:ext cx="2286000" cy="3048000"/>
+          </a:xfrm>
+          <a:prstGeom prst="rect">
+            <a:avLst/>
+          </a:prstGeom>
+        </p:spPr>
+      </p:pic>
+      <p:pic>
+        <p:nvPicPr>
+          <p:cNvPr id="2050" name="Picture 2" descr="#"/>
+          <p:cNvPicPr>
+            <a:picLocks noChangeAspect="1" noChangeArrowheads="1"/>
+          </p:cNvPicPr>
+          <p:nvPr/>
+        </p:nvPicPr>
+        <p:blipFill>
+          <a:blip r:embed="rId4">
+            <a:extLst>
+              <a:ext uri="{28A0092B-C50C-407E-A947-70E740481C1C}">
+                <a14:useLocalDpi xmlns:a14="http://schemas.microsoft.com/office/drawing/2010/main" val="0"/>
+              </a:ext>
+            </a:extLst>
+          </a:blip>
+          <a:srcRect/>
+          <a:stretch>
+            <a:fillRect/>
+          </a:stretch>
+        </p:blipFill>
+        <p:spPr bwMode="auto">
+          <a:xfrm>
+            <a:off x="4654252" y="1447800"/>
+            <a:ext cx="857250" cy="685800"/>
+          </a:xfrm>
+          <a:prstGeom prst="rect">
+            <a:avLst/>
+          </a:prstGeom>
+          <a:noFill/>
+          <a:extLst>
+            <a:ext uri="{909E8E84-426E-40DD-AFC4-6F175D3DCCD1}">
+              <a14:hiddenFill xmlns:a14="http://schemas.microsoft.com/office/drawing/2010/main">
+                <a:solidFill>
+                  <a:srgbClr val="FFFFFF"/>
+                </a:solidFill>
+              </a14:hiddenFill>
+            </a:ext>
+          </a:extLst>
+        </p:spPr>
+      </p:pic>
+      <p:pic>
+        <p:nvPicPr>
+          <p:cNvPr id="9" name="Picture 2" descr="#"/>
+          <p:cNvPicPr>
+            <a:picLocks noChangeAspect="1" noChangeArrowheads="1"/>
+          </p:cNvPicPr>
+          <p:nvPr/>
+        </p:nvPicPr>
+        <p:blipFill>
+          <a:blip r:embed="rId4">
+            <a:extLst>
+              <a:ext uri="{28A0092B-C50C-407E-A947-70E740481C1C}">
+                <a14:useLocalDpi xmlns:a14="http://schemas.microsoft.com/office/drawing/2010/main" val="0"/>
+              </a:ext>
+            </a:extLst>
+          </a:blip>
+          <a:srcRect/>
+          <a:stretch>
+            <a:fillRect/>
+          </a:stretch>
+        </p:blipFill>
+        <p:spPr bwMode="auto">
+          <a:xfrm>
+            <a:off x="5960243" y="1980001"/>
+            <a:ext cx="857250" cy="685800"/>
+          </a:xfrm>
+          <a:prstGeom prst="rect">
+            <a:avLst/>
+          </a:prstGeom>
+          <a:noFill/>
+          <a:extLst>
+            <a:ext uri="{909E8E84-426E-40DD-AFC4-6F175D3DCCD1}">
+              <a14:hiddenFill xmlns:a14="http://schemas.microsoft.com/office/drawing/2010/main">
+                <a:solidFill>
+                  <a:srgbClr val="FFFFFF"/>
+                </a:solidFill>
+              </a14:hiddenFill>
+            </a:ext>
+          </a:extLst>
+        </p:spPr>
+      </p:pic>
+      <p:pic>
+        <p:nvPicPr>
+          <p:cNvPr id="10" name="Picture 2" descr="#"/>
+          <p:cNvPicPr>
+            <a:picLocks noChangeAspect="1" noChangeArrowheads="1"/>
+          </p:cNvPicPr>
+          <p:nvPr/>
+        </p:nvPicPr>
+        <p:blipFill>
+          <a:blip r:embed="rId4">
+            <a:extLst>
+              <a:ext uri="{28A0092B-C50C-407E-A947-70E740481C1C}">
+                <a14:useLocalDpi xmlns:a14="http://schemas.microsoft.com/office/drawing/2010/main" val="0"/>
+              </a:ext>
+            </a:extLst>
+          </a:blip>
+          <a:srcRect/>
+          <a:stretch>
+            <a:fillRect/>
+          </a:stretch>
+        </p:blipFill>
+        <p:spPr bwMode="auto">
+          <a:xfrm>
+            <a:off x="6381451" y="2659119"/>
+            <a:ext cx="857250" cy="685800"/>
+          </a:xfrm>
+          <a:prstGeom prst="rect">
+            <a:avLst/>
+          </a:prstGeom>
+          <a:noFill/>
+          <a:extLst>
+            <a:ext uri="{909E8E84-426E-40DD-AFC4-6F175D3DCCD1}">
+              <a14:hiddenFill xmlns:a14="http://schemas.microsoft.com/office/drawing/2010/main">
+                <a:solidFill>
+                  <a:srgbClr val="FFFFFF"/>
+                </a:solidFill>
+              </a14:hiddenFill>
+            </a:ext>
+          </a:extLst>
+        </p:spPr>
+      </p:pic>
+      <p:pic>
+        <p:nvPicPr>
+          <p:cNvPr id="11" name="Picture 2" descr="#"/>
+          <p:cNvPicPr>
+            <a:picLocks noChangeAspect="1" noChangeArrowheads="1"/>
+          </p:cNvPicPr>
+          <p:nvPr/>
+        </p:nvPicPr>
+        <p:blipFill>
+          <a:blip r:embed="rId4">
+            <a:extLst>
+              <a:ext uri="{28A0092B-C50C-407E-A947-70E740481C1C}">
+                <a14:useLocalDpi xmlns:a14="http://schemas.microsoft.com/office/drawing/2010/main" val="0"/>
+              </a:ext>
+            </a:extLst>
+          </a:blip>
+          <a:srcRect/>
+          <a:stretch>
+            <a:fillRect/>
+          </a:stretch>
+        </p:blipFill>
+        <p:spPr bwMode="auto">
+          <a:xfrm>
+            <a:off x="6225049" y="3497319"/>
+            <a:ext cx="857250" cy="685800"/>
+          </a:xfrm>
+          <a:prstGeom prst="rect">
+            <a:avLst/>
+          </a:prstGeom>
+          <a:noFill/>
+          <a:extLst>
+            <a:ext uri="{909E8E84-426E-40DD-AFC4-6F175D3DCCD1}">
+              <a14:hiddenFill xmlns:a14="http://schemas.microsoft.com/office/drawing/2010/main">
+                <a:solidFill>
+                  <a:srgbClr val="FFFFFF"/>
+                </a:solidFill>
+              </a14:hiddenFill>
+            </a:ext>
+          </a:extLst>
+        </p:spPr>
+      </p:pic>
     </p:spTree>
     <p:extLst>
       <p:ext uri="{BB962C8B-B14F-4D97-AF65-F5344CB8AC3E}">
@@ -7028,10 +7079,570 @@
   <p:timing>
     <p:tnLst>
       <p:par>
-        <p:cTn id="1" dur="indefinite" restart="never" nodeType="tmRoot"/>
+        <p:cTn id="1" dur="indefinite" restart="never" nodeType="tmRoot">
+          <p:childTnLst>
+            <p:seq concurrent="1" nextAc="seek">
+              <p:cTn id="2" dur="indefinite" nodeType="mainSeq">
+                <p:childTnLst>
+                  <p:par>
+                    <p:cTn id="3" fill="hold">
+                      <p:stCondLst>
+                        <p:cond delay="indefinite"/>
+                      </p:stCondLst>
+                      <p:childTnLst>
+                        <p:par>
+                          <p:cTn id="4" fill="hold">
+                            <p:stCondLst>
+                              <p:cond delay="0"/>
+                            </p:stCondLst>
+                            <p:childTnLst>
+                              <p:par>
+                                <p:cTn id="5" presetID="10" presetClass="entr" presetSubtype="0" fill="hold" nodeType="clickEffect">
+                                  <p:stCondLst>
+                                    <p:cond delay="0"/>
+                                  </p:stCondLst>
+                                  <p:childTnLst>
+                                    <p:set>
+                                      <p:cBhvr>
+                                        <p:cTn id="6" dur="1" fill="hold">
+                                          <p:stCondLst>
+                                            <p:cond delay="0"/>
+                                          </p:stCondLst>
+                                        </p:cTn>
+                                        <p:tgtEl>
+                                          <p:spTgt spid="2050"/>
+                                        </p:tgtEl>
+                                        <p:attrNameLst>
+                                          <p:attrName>style.visibility</p:attrName>
+                                        </p:attrNameLst>
+                                      </p:cBhvr>
+                                      <p:to>
+                                        <p:strVal val="visible"/>
+                                      </p:to>
+                                    </p:set>
+                                    <p:animEffect transition="in" filter="fade">
+                                      <p:cBhvr>
+                                        <p:cTn id="7" dur="500"/>
+                                        <p:tgtEl>
+                                          <p:spTgt spid="2050"/>
+                                        </p:tgtEl>
+                                      </p:cBhvr>
+                                    </p:animEffect>
+                                  </p:childTnLst>
+                                </p:cTn>
+                              </p:par>
+                            </p:childTnLst>
+                          </p:cTn>
+                        </p:par>
+                      </p:childTnLst>
+                    </p:cTn>
+                  </p:par>
+                  <p:par>
+                    <p:cTn id="8" fill="hold">
+                      <p:stCondLst>
+                        <p:cond delay="indefinite"/>
+                      </p:stCondLst>
+                      <p:childTnLst>
+                        <p:par>
+                          <p:cTn id="9" fill="hold">
+                            <p:stCondLst>
+                              <p:cond delay="0"/>
+                            </p:stCondLst>
+                            <p:childTnLst>
+                              <p:par>
+                                <p:cTn id="10" presetID="10" presetClass="entr" presetSubtype="0" fill="hold" nodeType="clickEffect">
+                                  <p:stCondLst>
+                                    <p:cond delay="0"/>
+                                  </p:stCondLst>
+                                  <p:childTnLst>
+                                    <p:set>
+                                      <p:cBhvr>
+                                        <p:cTn id="11" dur="1" fill="hold">
+                                          <p:stCondLst>
+                                            <p:cond delay="0"/>
+                                          </p:stCondLst>
+                                        </p:cTn>
+                                        <p:tgtEl>
+                                          <p:spTgt spid="9"/>
+                                        </p:tgtEl>
+                                        <p:attrNameLst>
+                                          <p:attrName>style.visibility</p:attrName>
+                                        </p:attrNameLst>
+                                      </p:cBhvr>
+                                      <p:to>
+                                        <p:strVal val="visible"/>
+                                      </p:to>
+                                    </p:set>
+                                    <p:animEffect transition="in" filter="fade">
+                                      <p:cBhvr>
+                                        <p:cTn id="12" dur="500"/>
+                                        <p:tgtEl>
+                                          <p:spTgt spid="9"/>
+                                        </p:tgtEl>
+                                      </p:cBhvr>
+                                    </p:animEffect>
+                                  </p:childTnLst>
+                                </p:cTn>
+                              </p:par>
+                            </p:childTnLst>
+                          </p:cTn>
+                        </p:par>
+                      </p:childTnLst>
+                    </p:cTn>
+                  </p:par>
+                  <p:par>
+                    <p:cTn id="13" fill="hold">
+                      <p:stCondLst>
+                        <p:cond delay="indefinite"/>
+                      </p:stCondLst>
+                      <p:childTnLst>
+                        <p:par>
+                          <p:cTn id="14" fill="hold">
+                            <p:stCondLst>
+                              <p:cond delay="0"/>
+                            </p:stCondLst>
+                            <p:childTnLst>
+                              <p:par>
+                                <p:cTn id="15" presetID="10" presetClass="entr" presetSubtype="0" fill="hold" nodeType="clickEffect">
+                                  <p:stCondLst>
+                                    <p:cond delay="0"/>
+                                  </p:stCondLst>
+                                  <p:childTnLst>
+                                    <p:set>
+                                      <p:cBhvr>
+                                        <p:cTn id="16" dur="1" fill="hold">
+                                          <p:stCondLst>
+                                            <p:cond delay="0"/>
+                                          </p:stCondLst>
+                                        </p:cTn>
+                                        <p:tgtEl>
+                                          <p:spTgt spid="10"/>
+                                        </p:tgtEl>
+                                        <p:attrNameLst>
+                                          <p:attrName>style.visibility</p:attrName>
+                                        </p:attrNameLst>
+                                      </p:cBhvr>
+                                      <p:to>
+                                        <p:strVal val="visible"/>
+                                      </p:to>
+                                    </p:set>
+                                    <p:animEffect transition="in" filter="fade">
+                                      <p:cBhvr>
+                                        <p:cTn id="17" dur="500"/>
+                                        <p:tgtEl>
+                                          <p:spTgt spid="10"/>
+                                        </p:tgtEl>
+                                      </p:cBhvr>
+                                    </p:animEffect>
+                                  </p:childTnLst>
+                                </p:cTn>
+                              </p:par>
+                            </p:childTnLst>
+                          </p:cTn>
+                        </p:par>
+                      </p:childTnLst>
+                    </p:cTn>
+                  </p:par>
+                  <p:par>
+                    <p:cTn id="18" fill="hold">
+                      <p:stCondLst>
+                        <p:cond delay="indefinite"/>
+                      </p:stCondLst>
+                      <p:childTnLst>
+                        <p:par>
+                          <p:cTn id="19" fill="hold">
+                            <p:stCondLst>
+                              <p:cond delay="0"/>
+                            </p:stCondLst>
+                            <p:childTnLst>
+                              <p:par>
+                                <p:cTn id="20" presetID="10" presetClass="entr" presetSubtype="0" fill="hold" nodeType="clickEffect">
+                                  <p:stCondLst>
+                                    <p:cond delay="0"/>
+                                  </p:stCondLst>
+                                  <p:childTnLst>
+                                    <p:set>
+                                      <p:cBhvr>
+                                        <p:cTn id="21" dur="1" fill="hold">
+                                          <p:stCondLst>
+                                            <p:cond delay="0"/>
+                                          </p:stCondLst>
+                                        </p:cTn>
+                                        <p:tgtEl>
+                                          <p:spTgt spid="11"/>
+                                        </p:tgtEl>
+                                        <p:attrNameLst>
+                                          <p:attrName>style.visibility</p:attrName>
+                                        </p:attrNameLst>
+                                      </p:cBhvr>
+                                      <p:to>
+                                        <p:strVal val="visible"/>
+                                      </p:to>
+                                    </p:set>
+                                    <p:animEffect transition="in" filter="fade">
+                                      <p:cBhvr>
+                                        <p:cTn id="22" dur="500"/>
+                                        <p:tgtEl>
+                                          <p:spTgt spid="11"/>
+                                        </p:tgtEl>
+                                      </p:cBhvr>
+                                    </p:animEffect>
+                                  </p:childTnLst>
+                                </p:cTn>
+                              </p:par>
+                            </p:childTnLst>
+                          </p:cTn>
+                        </p:par>
+                      </p:childTnLst>
+                    </p:cTn>
+                  </p:par>
+                  <p:par>
+                    <p:cTn id="23" fill="hold">
+                      <p:stCondLst>
+                        <p:cond delay="indefinite"/>
+                      </p:stCondLst>
+                      <p:childTnLst>
+                        <p:par>
+                          <p:cTn id="24" fill="hold">
+                            <p:stCondLst>
+                              <p:cond delay="0"/>
+                            </p:stCondLst>
+                            <p:childTnLst>
+                              <p:par>
+                                <p:cTn id="25" presetID="8" presetClass="emph" presetSubtype="0" fill="hold" nodeType="clickEffect">
+                                  <p:stCondLst>
+                                    <p:cond delay="0"/>
+                                  </p:stCondLst>
+                                  <p:childTnLst>
+                                    <p:animRot by="21600000">
+                                      <p:cBhvr>
+                                        <p:cTn id="26" dur="1000" fill="hold"/>
+                                        <p:tgtEl>
+                                          <p:spTgt spid="7"/>
+                                        </p:tgtEl>
+                                        <p:attrNameLst>
+                                          <p:attrName>r</p:attrName>
+                                        </p:attrNameLst>
+                                      </p:cBhvr>
+                                    </p:animRot>
+                                  </p:childTnLst>
+                                </p:cTn>
+                              </p:par>
+                            </p:childTnLst>
+                          </p:cTn>
+                        </p:par>
+                      </p:childTnLst>
+                    </p:cTn>
+                  </p:par>
+                </p:childTnLst>
+              </p:cTn>
+              <p:prevCondLst>
+                <p:cond evt="onPrev" delay="0">
+                  <p:tgtEl>
+                    <p:sldTgt/>
+                  </p:tgtEl>
+                </p:cond>
+              </p:prevCondLst>
+              <p:nextCondLst>
+                <p:cond evt="onNext" delay="0">
+                  <p:tgtEl>
+                    <p:sldTgt/>
+                  </p:tgtEl>
+                </p:cond>
+              </p:nextCondLst>
+            </p:seq>
+          </p:childTnLst>
+        </p:cTn>
       </p:par>
     </p:tnLst>
   </p:timing>
+</p:sld>
+</file>
+
+<file path=ppt/slides/slide4.xml><?xml version="1.0" encoding="utf-8"?>
+<p:sld xmlns:a="http://schemas.openxmlformats.org/drawingml/2006/main" xmlns:r="http://schemas.openxmlformats.org/officeDocument/2006/relationships" xmlns:p="http://schemas.openxmlformats.org/presentationml/2006/main">
+  <p:cSld>
+    <p:spTree>
+      <p:nvGrpSpPr>
+        <p:cNvPr id="1" name=""/>
+        <p:cNvGrpSpPr/>
+        <p:nvPr/>
+      </p:nvGrpSpPr>
+      <p:grpSpPr>
+        <a:xfrm>
+          <a:off x="0" y="0"/>
+          <a:ext cx="0" cy="0"/>
+          <a:chOff x="0" y="0"/>
+          <a:chExt cx="0" cy="0"/>
+        </a:xfrm>
+      </p:grpSpPr>
+      <p:sp>
+        <p:nvSpPr>
+          <p:cNvPr id="2" name="Title 1"/>
+          <p:cNvSpPr>
+            <a:spLocks noGrp="1"/>
+          </p:cNvSpPr>
+          <p:nvPr>
+            <p:ph type="title"/>
+          </p:nvPr>
+        </p:nvSpPr>
+        <p:spPr/>
+        <p:txBody>
+          <a:bodyPr/>
+          <a:lstStyle/>
+          <a:p>
+            <a:r>
+              <a:rPr lang="en-US" dirty="0"/>
+              <a:t>Sprint 2 Goals: Server Side</a:t>
+            </a:r>
+          </a:p>
+        </p:txBody>
+      </p:sp>
+      <p:sp>
+        <p:nvSpPr>
+          <p:cNvPr id="5" name="Content Placeholder 4"/>
+          <p:cNvSpPr>
+            <a:spLocks noGrp="1"/>
+          </p:cNvSpPr>
+          <p:nvPr>
+            <p:ph idx="1"/>
+          </p:nvPr>
+        </p:nvSpPr>
+        <p:spPr/>
+        <p:txBody>
+          <a:bodyPr>
+            <a:normAutofit/>
+          </a:bodyPr>
+          <a:lstStyle/>
+          <a:p>
+            <a:r>
+              <a:rPr lang="en-US" dirty="0"/>
+              <a:t>Research Data</a:t>
+            </a:r>
+          </a:p>
+          <a:p>
+            <a:r>
+              <a:rPr lang="en-US" dirty="0"/>
+              <a:t>Integrate with Database</a:t>
+            </a:r>
+            <a:br>
+              <a:rPr lang="en-US" dirty="0"/>
+            </a:br>
+            <a:r>
+              <a:rPr lang="en-US" dirty="0"/>
+              <a:t>- Authentication </a:t>
+            </a:r>
+            <a:br>
+              <a:rPr lang="en-US" dirty="0"/>
+            </a:br>
+            <a:r>
+              <a:rPr lang="en-US" dirty="0"/>
+              <a:t>- User Data (ex: lists)</a:t>
+            </a:r>
+            <a:br>
+              <a:rPr lang="en-US" dirty="0"/>
+            </a:br>
+            <a:r>
+              <a:rPr lang="en-US" dirty="0"/>
+              <a:t>- Read Only Data (ex: expiry dates)</a:t>
+            </a:r>
+          </a:p>
+          <a:p>
+            <a:r>
+              <a:rPr lang="en-US" dirty="0"/>
+              <a:t>Achieve Full baseline functionality</a:t>
+            </a:r>
+          </a:p>
+        </p:txBody>
+      </p:sp>
+      <p:pic>
+        <p:nvPicPr>
+          <p:cNvPr id="4" name="Picture 3"/>
+          <p:cNvPicPr>
+            <a:picLocks noChangeAspect="1"/>
+          </p:cNvPicPr>
+          <p:nvPr/>
+        </p:nvPicPr>
+        <p:blipFill>
+          <a:blip r:embed="rId3">
+            <a:extLst>
+              <a:ext uri="{28A0092B-C50C-407E-A947-70E740481C1C}">
+                <a14:useLocalDpi xmlns:a14="http://schemas.microsoft.com/office/drawing/2010/main" val="0"/>
+              </a:ext>
+            </a:extLst>
+          </a:blip>
+          <a:stretch>
+            <a:fillRect/>
+          </a:stretch>
+        </p:blipFill>
+        <p:spPr>
+          <a:xfrm>
+            <a:off x="8182644" y="1447800"/>
+            <a:ext cx="2286000" cy="3048000"/>
+          </a:xfrm>
+          <a:prstGeom prst="rect">
+            <a:avLst/>
+          </a:prstGeom>
+        </p:spPr>
+      </p:pic>
+    </p:spTree>
+    <p:extLst>
+      <p:ext uri="{BB962C8B-B14F-4D97-AF65-F5344CB8AC3E}">
+        <p14:creationId xmlns:p14="http://schemas.microsoft.com/office/powerpoint/2010/main" val="2891628767"/>
+      </p:ext>
+    </p:extLst>
+  </p:cSld>
+  <p:clrMapOvr>
+    <a:masterClrMapping/>
+  </p:clrMapOvr>
+  <mc:AlternateContent xmlns:mc="http://schemas.openxmlformats.org/markup-compatibility/2006" xmlns:p14="http://schemas.microsoft.com/office/powerpoint/2010/main">
+    <mc:Choice Requires="p14">
+      <p:transition spd="med" p14:dur="700">
+        <p:fade/>
+      </p:transition>
+    </mc:Choice>
+    <mc:Fallback xmlns="">
+      <p:transition spd="med">
+        <p:fade/>
+      </p:transition>
+    </mc:Fallback>
+  </mc:AlternateContent>
+</p:sld>
+</file>
+
+<file path=ppt/slides/slide5.xml><?xml version="1.0" encoding="utf-8"?>
+<p:sld xmlns:a="http://schemas.openxmlformats.org/drawingml/2006/main" xmlns:r="http://schemas.openxmlformats.org/officeDocument/2006/relationships" xmlns:p="http://schemas.openxmlformats.org/presentationml/2006/main">
+  <p:cSld>
+    <p:spTree>
+      <p:nvGrpSpPr>
+        <p:cNvPr id="1" name=""/>
+        <p:cNvGrpSpPr/>
+        <p:nvPr/>
+      </p:nvGrpSpPr>
+      <p:grpSpPr>
+        <a:xfrm>
+          <a:off x="0" y="0"/>
+          <a:ext cx="0" cy="0"/>
+          <a:chOff x="0" y="0"/>
+          <a:chExt cx="0" cy="0"/>
+        </a:xfrm>
+      </p:grpSpPr>
+      <p:sp>
+        <p:nvSpPr>
+          <p:cNvPr id="2" name="Title 1"/>
+          <p:cNvSpPr>
+            <a:spLocks noGrp="1"/>
+          </p:cNvSpPr>
+          <p:nvPr>
+            <p:ph type="title"/>
+          </p:nvPr>
+        </p:nvSpPr>
+        <p:spPr/>
+        <p:txBody>
+          <a:bodyPr/>
+          <a:lstStyle/>
+          <a:p>
+            <a:r>
+              <a:rPr lang="en-US" dirty="0"/>
+              <a:t>Sprint 2 Goals: Client Side</a:t>
+            </a:r>
+          </a:p>
+        </p:txBody>
+      </p:sp>
+      <p:sp>
+        <p:nvSpPr>
+          <p:cNvPr id="5" name="Content Placeholder 4"/>
+          <p:cNvSpPr>
+            <a:spLocks noGrp="1"/>
+          </p:cNvSpPr>
+          <p:nvPr>
+            <p:ph idx="1"/>
+          </p:nvPr>
+        </p:nvSpPr>
+        <p:spPr/>
+        <p:txBody>
+          <a:bodyPr>
+            <a:normAutofit/>
+          </a:bodyPr>
+          <a:lstStyle/>
+          <a:p>
+            <a:r>
+              <a:rPr lang="en-US" dirty="0"/>
+              <a:t>Live expiration tracking</a:t>
+            </a:r>
+          </a:p>
+          <a:p>
+            <a:r>
+              <a:rPr lang="en-US" dirty="0"/>
+              <a:t>Log-in / log-out, account details</a:t>
+            </a:r>
+          </a:p>
+          <a:p>
+            <a:r>
+              <a:rPr lang="en-US" dirty="0"/>
+              <a:t>UI improvements</a:t>
+            </a:r>
+          </a:p>
+          <a:p>
+            <a:r>
+              <a:rPr lang="en-US" dirty="0"/>
+              <a:t>Challenge Integration</a:t>
+            </a:r>
+          </a:p>
+        </p:txBody>
+      </p:sp>
+      <p:pic>
+        <p:nvPicPr>
+          <p:cNvPr id="4" name="Picture 3"/>
+          <p:cNvPicPr>
+            <a:picLocks noChangeAspect="1"/>
+          </p:cNvPicPr>
+          <p:nvPr/>
+        </p:nvPicPr>
+        <p:blipFill>
+          <a:blip r:embed="rId3">
+            <a:extLst>
+              <a:ext uri="{28A0092B-C50C-407E-A947-70E740481C1C}">
+                <a14:useLocalDpi xmlns:a14="http://schemas.microsoft.com/office/drawing/2010/main" val="0"/>
+              </a:ext>
+            </a:extLst>
+          </a:blip>
+          <a:stretch>
+            <a:fillRect/>
+          </a:stretch>
+        </p:blipFill>
+        <p:spPr>
+          <a:xfrm>
+            <a:off x="7894612" y="1340768"/>
+            <a:ext cx="2286000" cy="3048000"/>
+          </a:xfrm>
+          <a:prstGeom prst="rect">
+            <a:avLst/>
+          </a:prstGeom>
+        </p:spPr>
+      </p:pic>
+    </p:spTree>
+    <p:extLst>
+      <p:ext uri="{BB962C8B-B14F-4D97-AF65-F5344CB8AC3E}">
+        <p14:creationId xmlns:p14="http://schemas.microsoft.com/office/powerpoint/2010/main" val="381351894"/>
+      </p:ext>
+    </p:extLst>
+  </p:cSld>
+  <p:clrMapOvr>
+    <a:masterClrMapping/>
+  </p:clrMapOvr>
+  <mc:AlternateContent xmlns:mc="http://schemas.openxmlformats.org/markup-compatibility/2006" xmlns:p14="http://schemas.microsoft.com/office/powerpoint/2010/main">
+    <mc:Choice Requires="p14">
+      <p:transition spd="med" p14:dur="700">
+        <p:fade/>
+      </p:transition>
+    </mc:Choice>
+    <mc:Fallback xmlns="">
+      <p:transition spd="med">
+        <p:fade/>
+      </p:transition>
+    </mc:Fallback>
+  </mc:AlternateContent>
 </p:sld>
 </file>
 
@@ -7052,39 +7663,111 @@
           <a:chExt cx="0" cy="0"/>
         </a:xfrm>
       </p:grpSpPr>
+      <p:sp>
+        <p:nvSpPr>
+          <p:cNvPr id="2" name="Title 1"/>
+          <p:cNvSpPr>
+            <a:spLocks noGrp="1"/>
+          </p:cNvSpPr>
+          <p:nvPr>
+            <p:ph type="title"/>
+          </p:nvPr>
+        </p:nvSpPr>
+        <p:spPr/>
+        <p:txBody>
+          <a:bodyPr/>
+          <a:lstStyle/>
+          <a:p>
+            <a:r>
+              <a:rPr lang="en-CA" dirty="0"/>
+              <a:t>Sprint 2 Challenge: </a:t>
+            </a:r>
+          </a:p>
+        </p:txBody>
+      </p:sp>
+      <p:sp>
+        <p:nvSpPr>
+          <p:cNvPr id="3" name="Content Placeholder 2"/>
+          <p:cNvSpPr>
+            <a:spLocks noGrp="1"/>
+          </p:cNvSpPr>
+          <p:nvPr>
+            <p:ph idx="1"/>
+          </p:nvPr>
+        </p:nvSpPr>
+        <p:spPr>
+          <a:xfrm>
+            <a:off x="1218883" y="1600200"/>
+            <a:ext cx="9751060" cy="4572000"/>
+          </a:xfrm>
+        </p:spPr>
+        <p:txBody>
+          <a:bodyPr/>
+          <a:lstStyle/>
+          <a:p>
+            <a:pPr fontAlgn="base"/>
+            <a:r>
+              <a:rPr lang="en-CA" dirty="0"/>
+              <a:t>Site hosting</a:t>
+            </a:r>
+          </a:p>
+          <a:p>
+            <a:pPr lvl="1" fontAlgn="base"/>
+            <a:r>
+              <a:rPr lang="en-CA" dirty="0">
+                <a:hlinkClick r:id="rId3"/>
+              </a:rPr>
+              <a:t>https://grocerybuddy-fe337.firebaseapp.com/main</a:t>
+            </a:r>
+            <a:endParaRPr lang="en-CA" dirty="0"/>
+          </a:p>
+          <a:p>
+            <a:pPr fontAlgn="base"/>
+            <a:r>
+              <a:rPr lang="en-CA" dirty="0"/>
+              <a:t>Edit affiliates</a:t>
+            </a:r>
+          </a:p>
+          <a:p>
+            <a:pPr lvl="1" fontAlgn="base"/>
+            <a:r>
+              <a:rPr lang="en-CA" dirty="0"/>
+              <a:t>Take 2</a:t>
+            </a:r>
+          </a:p>
+          <a:p>
+            <a:pPr lvl="1" fontAlgn="base"/>
+            <a:r>
+              <a:rPr lang="en-CA" dirty="0"/>
+              <a:t>Phoenix Recipes</a:t>
+            </a:r>
+          </a:p>
+          <a:p>
+            <a:pPr lvl="1" fontAlgn="base"/>
+            <a:r>
+              <a:rPr lang="en-CA" dirty="0" err="1"/>
+              <a:t>iPicky</a:t>
+            </a:r>
+            <a:r>
+              <a:rPr lang="en-CA" dirty="0"/>
+              <a:t> </a:t>
+            </a:r>
+          </a:p>
+          <a:p>
+            <a:pPr fontAlgn="base"/>
+            <a:r>
+              <a:rPr lang="en-CA" dirty="0"/>
+              <a:t>Easter egg</a:t>
+            </a:r>
+          </a:p>
+          <a:p>
+            <a:endParaRPr lang="en-CA" dirty="0"/>
+          </a:p>
+        </p:txBody>
+      </p:sp>
       <p:pic>
         <p:nvPicPr>
-          <p:cNvPr id="5" name="Picture 4" descr="A picture containing vector graphics&#10;&#10;Description generated with high confidence"/>
-          <p:cNvPicPr>
-            <a:picLocks noChangeAspect="1"/>
-          </p:cNvPicPr>
-          <p:nvPr/>
-        </p:nvPicPr>
-        <p:blipFill>
-          <a:blip r:embed="rId3">
-            <a:extLst>
-              <a:ext uri="{28A0092B-C50C-407E-A947-70E740481C1C}">
-                <a14:useLocalDpi xmlns:a14="http://schemas.microsoft.com/office/drawing/2010/main" val="0"/>
-              </a:ext>
-            </a:extLst>
-          </a:blip>
-          <a:stretch>
-            <a:fillRect/>
-          </a:stretch>
-        </p:blipFill>
-        <p:spPr>
-          <a:xfrm>
-            <a:off x="7521575" y="1125860"/>
-            <a:ext cx="2285714" cy="3047619"/>
-          </a:xfrm>
-          <a:prstGeom prst="rect">
-            <a:avLst/>
-          </a:prstGeom>
-        </p:spPr>
-      </p:pic>
-      <p:pic>
-        <p:nvPicPr>
-          <p:cNvPr id="8" name="Picture 7"/>
+          <p:cNvPr id="9" name="Picture 8" descr="A picture containing mollusk&#10;&#10;Description generated with high confidence"/>
           <p:cNvPicPr>
             <a:picLocks noChangeAspect="1"/>
           </p:cNvPicPr>
@@ -7104,7 +7787,7 @@
         </p:blipFill>
         <p:spPr>
           <a:xfrm>
-            <a:off x="8694034" y="2060848"/>
+            <a:off x="8902724" y="1916832"/>
             <a:ext cx="2286000" cy="3048000"/>
           </a:xfrm>
           <a:prstGeom prst="rect">
@@ -7112,58 +7795,16 @@
           </a:prstGeom>
         </p:spPr>
       </p:pic>
-      <p:sp>
-        <p:nvSpPr>
-          <p:cNvPr id="2" name="Title 1"/>
-          <p:cNvSpPr>
-            <a:spLocks noGrp="1"/>
-          </p:cNvSpPr>
-          <p:nvPr>
-            <p:ph type="title"/>
-          </p:nvPr>
-        </p:nvSpPr>
-        <p:spPr/>
-        <p:txBody>
-          <a:bodyPr/>
-          <a:lstStyle/>
-          <a:p>
-            <a:r>
-              <a:rPr lang="en-CA" dirty="0" smtClean="0"/>
-              <a:t>Task assignments:</a:t>
-            </a:r>
-            <a:endParaRPr lang="en-CA" dirty="0"/>
-          </a:p>
-        </p:txBody>
-      </p:sp>
-      <p:sp>
-        <p:nvSpPr>
-          <p:cNvPr id="3" name="Content Placeholder 2"/>
-          <p:cNvSpPr>
-            <a:spLocks noGrp="1"/>
-          </p:cNvSpPr>
-          <p:nvPr>
-            <p:ph idx="1"/>
-          </p:nvPr>
-        </p:nvSpPr>
-        <p:spPr/>
-        <p:txBody>
-          <a:bodyPr/>
-          <a:lstStyle/>
-          <a:p>
-            <a:endParaRPr lang="en-US" dirty="0"/>
-          </a:p>
-        </p:txBody>
-      </p:sp>
       <p:pic>
         <p:nvPicPr>
-          <p:cNvPr id="1026" name="Picture 2" descr="tool box by arnelsx"/>
+          <p:cNvPr id="3076" name="Picture 4" descr="#"/>
           <p:cNvPicPr>
             <a:picLocks noChangeAspect="1" noChangeArrowheads="1"/>
           </p:cNvPicPr>
           <p:nvPr/>
         </p:nvPicPr>
         <p:blipFill>
-          <a:blip r:embed="rId5" cstate="print">
+          <a:blip r:embed="rId5">
             <a:extLst>
               <a:ext uri="{28A0092B-C50C-407E-A947-70E740481C1C}">
                 <a14:useLocalDpi xmlns:a14="http://schemas.microsoft.com/office/drawing/2010/main" val="0"/>
@@ -7177,8 +7818,8 @@
         </p:blipFill>
         <p:spPr bwMode="auto">
           <a:xfrm>
-            <a:off x="7344573" y="3323075"/>
-            <a:ext cx="2163412" cy="1700808"/>
+            <a:off x="8182644" y="3789040"/>
+            <a:ext cx="857250" cy="514350"/>
           </a:xfrm>
           <a:prstGeom prst="rect">
             <a:avLst/>
@@ -7195,6 +7836,138 @@
           </a:extLst>
         </p:spPr>
       </p:pic>
+    </p:spTree>
+    <p:extLst>
+      <p:ext uri="{BB962C8B-B14F-4D97-AF65-F5344CB8AC3E}">
+        <p14:creationId xmlns:p14="http://schemas.microsoft.com/office/powerpoint/2010/main" val="1335527373"/>
+      </p:ext>
+    </p:extLst>
+  </p:cSld>
+  <p:clrMapOvr>
+    <a:masterClrMapping/>
+  </p:clrMapOvr>
+  <mc:AlternateContent xmlns:mc="http://schemas.openxmlformats.org/markup-compatibility/2006" xmlns:p14="http://schemas.microsoft.com/office/powerpoint/2010/main">
+    <mc:Choice Requires="p14">
+      <p:transition spd="med" p14:dur="700">
+        <p:fade/>
+      </p:transition>
+    </mc:Choice>
+    <mc:Fallback xmlns="">
+      <p:transition spd="med">
+        <p:fade/>
+      </p:transition>
+    </mc:Fallback>
+  </mc:AlternateContent>
+</p:sld>
+</file>
+
+<file path=ppt/slides/slide7.xml><?xml version="1.0" encoding="utf-8"?>
+<p:sld xmlns:a="http://schemas.openxmlformats.org/drawingml/2006/main" xmlns:r="http://schemas.openxmlformats.org/officeDocument/2006/relationships" xmlns:p="http://schemas.openxmlformats.org/presentationml/2006/main">
+  <p:cSld>
+    <p:spTree>
+      <p:nvGrpSpPr>
+        <p:cNvPr id="1" name=""/>
+        <p:cNvGrpSpPr/>
+        <p:nvPr/>
+      </p:nvGrpSpPr>
+      <p:grpSpPr>
+        <a:xfrm>
+          <a:off x="0" y="0"/>
+          <a:ext cx="0" cy="0"/>
+          <a:chOff x="0" y="0"/>
+          <a:chExt cx="0" cy="0"/>
+        </a:xfrm>
+      </p:grpSpPr>
+      <p:sp>
+        <p:nvSpPr>
+          <p:cNvPr id="2" name="Title 1"/>
+          <p:cNvSpPr>
+            <a:spLocks noGrp="1"/>
+          </p:cNvSpPr>
+          <p:nvPr>
+            <p:ph type="title"/>
+          </p:nvPr>
+        </p:nvSpPr>
+        <p:spPr/>
+        <p:txBody>
+          <a:bodyPr/>
+          <a:lstStyle/>
+          <a:p>
+            <a:r>
+              <a:rPr lang="en-CA" dirty="0"/>
+              <a:t>Task assignments:</a:t>
+            </a:r>
+          </a:p>
+        </p:txBody>
+      </p:sp>
+      <p:sp>
+        <p:nvSpPr>
+          <p:cNvPr id="4" name="Content Placeholder 3"/>
+          <p:cNvSpPr>
+            <a:spLocks noGrp="1"/>
+          </p:cNvSpPr>
+          <p:nvPr>
+            <p:ph idx="1"/>
+          </p:nvPr>
+        </p:nvSpPr>
+        <p:spPr/>
+        <p:txBody>
+          <a:bodyPr>
+            <a:normAutofit/>
+          </a:bodyPr>
+          <a:lstStyle/>
+          <a:p>
+            <a:pPr fontAlgn="base"/>
+            <a:r>
+              <a:rPr lang="en-CA" dirty="0"/>
+              <a:t>Kevin - bug-fixing, assisting with database integration</a:t>
+            </a:r>
+          </a:p>
+          <a:p>
+            <a:pPr fontAlgn="base"/>
+            <a:r>
+              <a:rPr lang="en-CA" dirty="0"/>
+              <a:t>Toni - bug-fixing, assisting with database integration </a:t>
+            </a:r>
+          </a:p>
+          <a:p>
+            <a:pPr fontAlgn="base"/>
+            <a:r>
+              <a:rPr lang="en-CA" dirty="0" err="1"/>
+              <a:t>Raly</a:t>
+            </a:r>
+            <a:r>
+              <a:rPr lang="en-CA" dirty="0"/>
+              <a:t> - Structuring database, syncing client-side functions</a:t>
+            </a:r>
+          </a:p>
+          <a:p>
+            <a:pPr fontAlgn="base"/>
+            <a:r>
+              <a:rPr lang="en-CA" dirty="0"/>
+              <a:t>Patrick - code port, Firebase integration, gestures</a:t>
+            </a:r>
+          </a:p>
+          <a:p>
+            <a:pPr fontAlgn="base"/>
+            <a:r>
+              <a:rPr lang="en-CA" dirty="0"/>
+              <a:t>Carlo: </a:t>
+            </a:r>
+            <a:r>
+              <a:rPr lang="en-CA" dirty="0" err="1"/>
+              <a:t>easter</a:t>
+            </a:r>
+            <a:r>
+              <a:rPr lang="en-CA" dirty="0"/>
+              <a:t> egg implementation, notifications</a:t>
+            </a:r>
+          </a:p>
+          <a:p>
+            <a:endParaRPr lang="en-CA" dirty="0"/>
+          </a:p>
+        </p:txBody>
+      </p:sp>
     </p:spTree>
     <p:extLst>
       <p:ext uri="{BB962C8B-B14F-4D97-AF65-F5344CB8AC3E}">
@@ -7217,89 +7990,6 @@
       </p:transition>
     </mc:Fallback>
   </mc:AlternateContent>
-  <p:timing>
-    <p:tnLst>
-      <p:par>
-        <p:cTn id="1" dur="indefinite" restart="never" nodeType="tmRoot"/>
-      </p:par>
-    </p:tnLst>
-  </p:timing>
-</p:sld>
-</file>
-
-<file path=ppt/slides/slide7.xml><?xml version="1.0" encoding="utf-8"?>
-<p:sld xmlns:a="http://schemas.openxmlformats.org/drawingml/2006/main" xmlns:r="http://schemas.openxmlformats.org/officeDocument/2006/relationships" xmlns:p="http://schemas.openxmlformats.org/presentationml/2006/main">
-  <p:cSld>
-    <p:spTree>
-      <p:nvGrpSpPr>
-        <p:cNvPr id="1" name=""/>
-        <p:cNvGrpSpPr/>
-        <p:nvPr/>
-      </p:nvGrpSpPr>
-      <p:grpSpPr>
-        <a:xfrm>
-          <a:off x="0" y="0"/>
-          <a:ext cx="0" cy="0"/>
-          <a:chOff x="0" y="0"/>
-          <a:chExt cx="0" cy="0"/>
-        </a:xfrm>
-      </p:grpSpPr>
-      <p:sp>
-        <p:nvSpPr>
-          <p:cNvPr id="2" name="Title 1"/>
-          <p:cNvSpPr>
-            <a:spLocks noGrp="1"/>
-          </p:cNvSpPr>
-          <p:nvPr>
-            <p:ph type="title"/>
-          </p:nvPr>
-        </p:nvSpPr>
-        <p:spPr/>
-        <p:txBody>
-          <a:bodyPr/>
-          <a:lstStyle/>
-          <a:p>
-            <a:r>
-              <a:rPr lang="en-CA" dirty="0" smtClean="0"/>
-              <a:t>Sprint 2 Challenge</a:t>
-            </a:r>
-            <a:r>
-              <a:rPr lang="en-CA" dirty="0" smtClean="0"/>
-              <a:t>: </a:t>
-            </a:r>
-            <a:endParaRPr lang="en-CA" dirty="0"/>
-          </a:p>
-        </p:txBody>
-      </p:sp>
-    </p:spTree>
-    <p:extLst>
-      <p:ext uri="{BB962C8B-B14F-4D97-AF65-F5344CB8AC3E}">
-        <p14:creationId xmlns:p14="http://schemas.microsoft.com/office/powerpoint/2010/main" val="1335527373"/>
-      </p:ext>
-    </p:extLst>
-  </p:cSld>
-  <p:clrMapOvr>
-    <a:masterClrMapping/>
-  </p:clrMapOvr>
-  <mc:AlternateContent xmlns:mc="http://schemas.openxmlformats.org/markup-compatibility/2006" xmlns:p14="http://schemas.microsoft.com/office/powerpoint/2010/main">
-    <mc:Choice Requires="p14">
-      <p:transition spd="med" p14:dur="700">
-        <p:fade/>
-      </p:transition>
-    </mc:Choice>
-    <mc:Fallback xmlns="">
-      <p:transition spd="med">
-        <p:fade/>
-      </p:transition>
-    </mc:Fallback>
-  </mc:AlternateContent>
-  <p:timing>
-    <p:tnLst>
-      <p:par>
-        <p:cTn id="1" dur="indefinite" restart="never" nodeType="tmRoot"/>
-      </p:par>
-    </p:tnLst>
-  </p:timing>
 </p:sld>
 </file>
 
@@ -7336,21 +8026,102 @@
           <a:lstStyle/>
           <a:p>
             <a:r>
-              <a:rPr lang="en-CA" dirty="0" smtClean="0"/>
+              <a:rPr lang="en-CA" dirty="0"/>
               <a:t>Sprint 2 </a:t>
             </a:r>
             <a:r>
-              <a:rPr lang="en-CA" dirty="0" err="1" smtClean="0"/>
+              <a:rPr lang="en-CA" dirty="0" err="1"/>
               <a:t>Scrumboard</a:t>
             </a:r>
             <a:r>
-              <a:rPr lang="en-CA" dirty="0" smtClean="0"/>
+              <a:rPr lang="en-CA" dirty="0"/>
               <a:t>:</a:t>
             </a:r>
-            <a:endParaRPr lang="en-CA" dirty="0"/>
           </a:p>
         </p:txBody>
       </p:sp>
+      <p:sp>
+        <p:nvSpPr>
+          <p:cNvPr id="3" name="Speech Bubble: Oval 2"/>
+          <p:cNvSpPr/>
+          <p:nvPr/>
+        </p:nvSpPr>
+        <p:spPr>
+          <a:xfrm>
+            <a:off x="5662364" y="1456317"/>
+            <a:ext cx="3024336" cy="1405136"/>
+          </a:xfrm>
+          <a:prstGeom prst="wedgeEllipseCallout">
+            <a:avLst/>
+          </a:prstGeom>
+        </p:spPr>
+        <p:style>
+          <a:lnRef idx="3">
+            <a:schemeClr val="lt1"/>
+          </a:lnRef>
+          <a:fillRef idx="1">
+            <a:schemeClr val="accent2"/>
+          </a:fillRef>
+          <a:effectRef idx="1">
+            <a:schemeClr val="accent2"/>
+          </a:effectRef>
+          <a:fontRef idx="minor">
+            <a:schemeClr val="lt1"/>
+          </a:fontRef>
+        </p:style>
+        <p:txBody>
+          <a:bodyPr rtlCol="0" anchor="ctr"/>
+          <a:lstStyle/>
+          <a:p>
+            <a:pPr algn="ctr"/>
+            <a:r>
+              <a:rPr lang="en-CA" b="1" dirty="0">
+                <a:solidFill>
+                  <a:schemeClr val="accent6"/>
+                </a:solidFill>
+                <a:latin typeface="Cooper Black" panose="0208090404030B020404" pitchFamily="18" charset="0"/>
+                <a:hlinkClick r:id="rId3"/>
+              </a:rPr>
+              <a:t>Click here!</a:t>
+            </a:r>
+            <a:endParaRPr lang="en-CA" b="1" dirty="0">
+              <a:solidFill>
+                <a:schemeClr val="accent6"/>
+              </a:solidFill>
+              <a:latin typeface="Cooper Black" panose="0208090404030B020404" pitchFamily="18" charset="0"/>
+            </a:endParaRPr>
+          </a:p>
+        </p:txBody>
+      </p:sp>
+      <p:pic>
+        <p:nvPicPr>
+          <p:cNvPr id="8" name="Content Placeholder 7"/>
+          <p:cNvPicPr>
+            <a:picLocks noGrp="1" noChangeAspect="1"/>
+          </p:cNvPicPr>
+          <p:nvPr>
+            <p:ph idx="1"/>
+          </p:nvPr>
+        </p:nvPicPr>
+        <p:blipFill>
+          <a:blip r:embed="rId4">
+            <a:extLst>
+              <a:ext uri="{28A0092B-C50C-407E-A947-70E740481C1C}">
+                <a14:useLocalDpi xmlns:a14="http://schemas.microsoft.com/office/drawing/2010/main" val="0"/>
+              </a:ext>
+            </a:extLst>
+          </a:blip>
+          <a:stretch>
+            <a:fillRect/>
+          </a:stretch>
+        </p:blipFill>
+        <p:spPr>
+          <a:xfrm>
+            <a:off x="4951412" y="2996952"/>
+            <a:ext cx="1809936" cy="2413248"/>
+          </a:xfrm>
+        </p:spPr>
+      </p:pic>
     </p:spTree>
     <p:extLst>
       <p:ext uri="{BB962C8B-B14F-4D97-AF65-F5344CB8AC3E}">
@@ -7373,13 +8144,6 @@
       </p:transition>
     </mc:Fallback>
   </mc:AlternateContent>
-  <p:timing>
-    <p:tnLst>
-      <p:par>
-        <p:cTn id="1" dur="indefinite" restart="never" nodeType="tmRoot"/>
-      </p:par>
-    </p:tnLst>
-  </p:timing>
 </p:sld>
 </file>
 
@@ -9941,15 +10705,6 @@
 </file>
 
 <file path=customXml/item1.xml><?xml version="1.0" encoding="utf-8"?>
-<?mso-contentType ?>
-<FormTemplates xmlns="http://schemas.microsoft.com/sharepoint/v3/contenttype/forms">
-  <Display>DocumentLibraryForm</Display>
-  <Edit>DocumentLibraryForm</Edit>
-  <New>DocumentLibraryForm</New>
-</FormTemplates>
-</file>
-
-<file path=customXml/item2.xml><?xml version="1.0" encoding="utf-8"?>
 <ct:contentTypeSchema xmlns:ct="http://schemas.microsoft.com/office/2006/metadata/contentType" xmlns:ma="http://schemas.microsoft.com/office/2006/metadata/properties/metaAttributes" ct:_="" ma:_="" ma:contentTypeName="Document" ma:contentTypeID="0x010100AA3F7D94069FF64A86F7DFF56D60E3BE" ma:contentTypeVersion="6" ma:contentTypeDescription="Create a new document." ma:contentTypeScope="" ma:versionID="c32302c77d4085ecf495bdddb7f5e889">
   <xsd:schema xmlns:xsd="http://www.w3.org/2001/XMLSchema" xmlns:xs="http://www.w3.org/2001/XMLSchema" xmlns:p="http://schemas.microsoft.com/office/2006/metadata/properties" xmlns:ns2="a4f35948-e619-41b3-aa29-22878b09cfd2" xmlns:ns3="40262f94-9f35-4ac3-9a90-690165a166b7" targetNamespace="http://schemas.microsoft.com/office/2006/metadata/properties" ma:root="true" ma:fieldsID="4ab5ae46be95f9d0be6107e8200be7a2" ns2:_="" ns3:_="">
     <xsd:import namespace="a4f35948-e619-41b3-aa29-22878b09cfd2"/>
@@ -10130,6 +10885,15 @@
 </ct:contentTypeSchema>
 </file>
 
+<file path=customXml/item2.xml><?xml version="1.0" encoding="utf-8"?>
+<?mso-contentType ?>
+<FormTemplates xmlns="http://schemas.microsoft.com/sharepoint/v3/contenttype/forms">
+  <Display>DocumentLibraryForm</Display>
+  <Edit>DocumentLibraryForm</Edit>
+  <New>DocumentLibraryForm</New>
+</FormTemplates>
+</file>
+
 <file path=customXml/item3.xml><?xml version="1.0" encoding="utf-8"?>
 <p:properties xmlns:p="http://schemas.microsoft.com/office/2006/metadata/properties" xmlns:xsi="http://www.w3.org/2001/XMLSchema-instance" xmlns:pc="http://schemas.microsoft.com/office/infopath/2007/PartnerControls">
   <documentManagement>
@@ -10142,14 +10906,6 @@
 </file>
 
 <file path=customXml/itemProps1.xml><?xml version="1.0" encoding="utf-8"?>
-<ds:datastoreItem xmlns:ds="http://schemas.openxmlformats.org/officeDocument/2006/customXml" ds:itemID="{308942AA-0721-4324-BC2C-A3CB43F24E71}">
-  <ds:schemaRefs>
-    <ds:schemaRef ds:uri="http://schemas.microsoft.com/sharepoint/v3/contenttype/forms"/>
-  </ds:schemaRefs>
-</ds:datastoreItem>
-</file>
-
-<file path=customXml/itemProps2.xml><?xml version="1.0" encoding="utf-8"?>
 <ds:datastoreItem xmlns:ds="http://schemas.openxmlformats.org/officeDocument/2006/customXml" ds:itemID="{FB14945D-DABB-422F-9B28-D299995C9226}">
   <ds:schemaRefs>
     <ds:schemaRef ds:uri="http://schemas.microsoft.com/office/2006/metadata/contentType"/>
@@ -10164,6 +10920,14 @@
     <ds:schemaRef ds:uri="http://purl.org/dc/elements/1.1/"/>
     <ds:schemaRef ds:uri="http://purl.org/dc/terms/"/>
     <ds:schemaRef ds:uri="http://schemas.microsoft.com/internal/obd"/>
+  </ds:schemaRefs>
+</ds:datastoreItem>
+</file>
+
+<file path=customXml/itemProps2.xml><?xml version="1.0" encoding="utf-8"?>
+<ds:datastoreItem xmlns:ds="http://schemas.openxmlformats.org/officeDocument/2006/customXml" ds:itemID="{308942AA-0721-4324-BC2C-A3CB43F24E71}">
+  <ds:schemaRefs>
+    <ds:schemaRef ds:uri="http://schemas.microsoft.com/sharepoint/v3/contenttype/forms"/>
   </ds:schemaRefs>
 </ds:datastoreItem>
 </file>

--- a/Team Docs/Sprint 2 Presentation.pptx
+++ b/Team Docs/Sprint 2 Presentation.pptx
@@ -237,7 +237,7 @@
           <a:p>
             <a:fld id="{705E03B7-B591-4A2A-B695-014C5A39F13E}" type="datetimeFigureOut">
               <a:rPr lang="en-US"/>
-              <a:t>5/14/2017</a:t>
+              <a:t>5/15/2017</a:t>
             </a:fld>
             <a:endParaRPr/>
           </a:p>
@@ -402,7 +402,7 @@
           <a:p>
             <a:fld id="{67DFBD7B-E4FB-4AA8-9540-FD148073ACB3}" type="datetimeFigureOut">
               <a:rPr lang="en-US"/>
-              <a:t>5/14/2017</a:t>
+              <a:t>5/15/2017</a:t>
             </a:fld>
             <a:endParaRPr/>
           </a:p>
@@ -801,9 +801,43 @@
               <a:buChar char="•"/>
             </a:pPr>
             <a:r>
-              <a:rPr lang="en-CA" dirty="0" err="1"/>
+              <a:rPr lang="en-CA" dirty="0"/>
               <a:t>Raly</a:t>
             </a:r>
+          </a:p>
+          <a:p>
+            <a:r>
+              <a:rPr lang="en-US" sz="1600" kern="1200" dirty="0">
+                <a:solidFill>
+                  <a:schemeClr val="tx1"/>
+                </a:solidFill>
+                <a:effectLst/>
+                <a:latin typeface="+mn-lt"/>
+                <a:ea typeface="+mn-ea"/>
+                <a:cs typeface="+mn-cs"/>
+              </a:rPr>
+              <a:t>Our app is called Grocery Buddy, and for those of you that are unfamiliar</a:t>
+            </a:r>
+          </a:p>
+          <a:p>
+            <a:r>
+              <a:rPr lang="en-US" sz="1600" kern="1200" dirty="0">
+                <a:solidFill>
+                  <a:schemeClr val="tx1"/>
+                </a:solidFill>
+                <a:effectLst/>
+                <a:latin typeface="+mn-lt"/>
+                <a:ea typeface="+mn-ea"/>
+                <a:cs typeface="+mn-cs"/>
+              </a:rPr>
+              <a:t>Grocery Buddy is a shopping list app that tracks your food products and their expiration dates. It helps you plan what you need to buy and make the most of what you have.</a:t>
+            </a:r>
+          </a:p>
+          <a:p>
+            <a:pPr marL="285750" indent="-285750">
+              <a:buFont typeface="Arial" panose="020B0604020202020204" pitchFamily="34" charset="0"/>
+              <a:buChar char="•"/>
+            </a:pPr>
             <a:endParaRPr lang="en-CA" dirty="0"/>
           </a:p>
         </p:txBody>
@@ -889,9 +923,81 @@
           <a:lstStyle/>
           <a:p>
             <a:r>
-              <a:rPr lang="en-CA" dirty="0" err="1"/>
+              <a:rPr lang="en-CA" dirty="0"/>
               <a:t>Raly</a:t>
             </a:r>
+          </a:p>
+          <a:p>
+            <a:r>
+              <a:rPr lang="en-US" sz="1600" kern="1200" dirty="0">
+                <a:solidFill>
+                  <a:schemeClr val="tx1"/>
+                </a:solidFill>
+                <a:effectLst/>
+                <a:latin typeface="+mn-lt"/>
+                <a:ea typeface="+mn-ea"/>
+                <a:cs typeface="+mn-cs"/>
+              </a:rPr>
+              <a:t>Last week, we finished Sprint 1 by meeting all of the preset goals that we set for that iteration. We mainly focused on finishing all of the front-end functionality. </a:t>
+            </a:r>
+          </a:p>
+          <a:p>
+            <a:r>
+              <a:rPr lang="en-US" sz="1600" kern="1200" dirty="0">
+                <a:solidFill>
+                  <a:schemeClr val="tx1"/>
+                </a:solidFill>
+                <a:effectLst/>
+                <a:latin typeface="+mn-lt"/>
+                <a:ea typeface="+mn-ea"/>
+                <a:cs typeface="+mn-cs"/>
+              </a:rPr>
+              <a:t>We finished designing and implementing our User Interface.</a:t>
+            </a:r>
+          </a:p>
+          <a:p>
+            <a:r>
+              <a:rPr lang="en-US" sz="1600" kern="1200" dirty="0">
+                <a:solidFill>
+                  <a:schemeClr val="tx1"/>
+                </a:solidFill>
+                <a:effectLst/>
+                <a:latin typeface="+mn-lt"/>
+                <a:ea typeface="+mn-ea"/>
+                <a:cs typeface="+mn-cs"/>
+              </a:rPr>
+              <a:t>Our app was styled with bootstrap which made it fully responsive.</a:t>
+            </a:r>
+          </a:p>
+          <a:p>
+            <a:r>
+              <a:rPr lang="en-US" sz="1600" kern="1200" dirty="0">
+                <a:solidFill>
+                  <a:schemeClr val="tx1"/>
+                </a:solidFill>
+                <a:effectLst/>
+                <a:latin typeface="+mn-lt"/>
+                <a:ea typeface="+mn-ea"/>
+                <a:cs typeface="+mn-cs"/>
+              </a:rPr>
+              <a:t>Our app was built on an Angular 4 environment allowing Single-Page application</a:t>
+            </a:r>
+          </a:p>
+          <a:p>
+            <a:r>
+              <a:rPr lang="en-US" sz="1600" kern="1200">
+                <a:solidFill>
+                  <a:schemeClr val="tx1"/>
+                </a:solidFill>
+                <a:effectLst/>
+                <a:latin typeface="+mn-lt"/>
+                <a:ea typeface="+mn-ea"/>
+                <a:cs typeface="+mn-cs"/>
+              </a:rPr>
+              <a:t>And we finished coding all of our front-end functionality with JavaScript and currently have them stored within JavaScript objects. </a:t>
+            </a:r>
+          </a:p>
+          <a:p>
             <a:endParaRPr lang="en-CA" dirty="0"/>
           </a:p>
         </p:txBody>
@@ -1875,7 +1981,7 @@
           <a:p>
             <a:fld id="{A7209051-6E81-43E8-9099-FF6A0C3DCFE8}" type="datetime1">
               <a:rPr lang="en-US"/>
-              <a:t>5/14/2017</a:t>
+              <a:t>5/15/2017</a:t>
             </a:fld>
             <a:endParaRPr/>
           </a:p>
@@ -2076,7 +2182,7 @@
           <a:p>
             <a:fld id="{EDCEAB04-7709-4C1E-A61A-74684A0170FC}" type="datetime1">
               <a:rPr lang="en-US"/>
-              <a:t>5/14/2017</a:t>
+              <a:t>5/15/2017</a:t>
             </a:fld>
             <a:endParaRPr/>
           </a:p>
@@ -2626,7 +2732,7 @@
           <a:p>
             <a:fld id="{0C79BD0D-E0B1-4CED-AC65-708AC79EB9CD}" type="datetime1">
               <a:rPr lang="en-US"/>
-              <a:t>5/14/2017</a:t>
+              <a:t>5/15/2017</a:t>
             </a:fld>
             <a:endParaRPr/>
           </a:p>
@@ -2827,7 +2933,7 @@
           <a:p>
             <a:fld id="{0CC3EA6D-DF0B-4D4B-B359-5F1D1D0E30A4}" type="datetime1">
               <a:rPr lang="en-US"/>
-              <a:t>5/14/2017</a:t>
+              <a:t>5/15/2017</a:t>
             </a:fld>
             <a:endParaRPr/>
           </a:p>
@@ -3431,7 +3537,7 @@
           <a:p>
             <a:fld id="{977EDB99-15BC-4479-BAC5-1E502E66917A}" type="datetime1">
               <a:rPr lang="en-US"/>
-              <a:t>5/14/2017</a:t>
+              <a:t>5/15/2017</a:t>
             </a:fld>
             <a:endParaRPr/>
           </a:p>
@@ -3743,7 +3849,7 @@
           <a:p>
             <a:fld id="{4067C2A3-CD19-48AB-9F64-ECCF75182EDD}" type="datetime1">
               <a:rPr lang="en-US"/>
-              <a:t>5/14/2017</a:t>
+              <a:t>5/15/2017</a:t>
             </a:fld>
             <a:endParaRPr/>
           </a:p>
@@ -4205,7 +4311,7 @@
           <a:p>
             <a:fld id="{0363E8C1-7C87-4705-AB97-8CD17D208E3F}" type="datetime1">
               <a:rPr lang="en-US"/>
-              <a:t>5/14/2017</a:t>
+              <a:t>5/15/2017</a:t>
             </a:fld>
             <a:endParaRPr/>
           </a:p>
@@ -4338,7 +4444,7 @@
           <a:p>
             <a:fld id="{E20C624E-DF92-4841-B9B9-DD11AA239B85}" type="datetime1">
               <a:rPr lang="en-US"/>
-              <a:t>5/14/2017</a:t>
+              <a:t>5/15/2017</a:t>
             </a:fld>
             <a:endParaRPr/>
           </a:p>
@@ -4631,7 +4737,7 @@
           <a:p>
             <a:fld id="{FBDA3AE1-4360-4D5B-BDBC-656B872DD533}" type="datetime1">
               <a:rPr lang="en-US"/>
-              <a:t>5/14/2017</a:t>
+              <a:t>5/15/2017</a:t>
             </a:fld>
             <a:endParaRPr/>
           </a:p>
@@ -4930,7 +5036,7 @@
           <a:p>
             <a:fld id="{20990708-46A4-4851-883E-8DFB8939107E}" type="datetime1">
               <a:rPr lang="en-US"/>
-              <a:t>5/14/2017</a:t>
+              <a:t>5/15/2017</a:t>
             </a:fld>
             <a:endParaRPr/>
           </a:p>
@@ -5214,7 +5320,7 @@
           <a:p>
             <a:fld id="{AE88EFFC-86AE-4294-A319-CAFC2651994B}" type="datetime1">
               <a:rPr lang="en-US"/>
-              <a:t>5/14/2017</a:t>
+              <a:t>5/15/2017</a:t>
             </a:fld>
             <a:endParaRPr/>
           </a:p>
@@ -5796,7 +5902,7 @@
             <a:fld id="{D29E8617-6EA8-4B97-A5E8-E18E98765EE2}" type="datetime1">
               <a:rPr lang="en-US"/>
               <a:pPr/>
-              <a:t>5/14/2017</a:t>
+              <a:t>5/15/2017</a:t>
             </a:fld>
             <a:endParaRPr dirty="0"/>
           </a:p>
@@ -10886,15 +10992,6 @@
 </file>
 
 <file path=customXml/item2.xml><?xml version="1.0" encoding="utf-8"?>
-<?mso-contentType ?>
-<FormTemplates xmlns="http://schemas.microsoft.com/sharepoint/v3/contenttype/forms">
-  <Display>DocumentLibraryForm</Display>
-  <Edit>DocumentLibraryForm</Edit>
-  <New>DocumentLibraryForm</New>
-</FormTemplates>
-</file>
-
-<file path=customXml/item3.xml><?xml version="1.0" encoding="utf-8"?>
 <p:properties xmlns:p="http://schemas.microsoft.com/office/2006/metadata/properties" xmlns:xsi="http://www.w3.org/2001/XMLSchema-instance" xmlns:pc="http://schemas.microsoft.com/office/infopath/2007/PartnerControls">
   <documentManagement>
     <VSO_x0020_item_x0020_id xmlns="40262f94-9f35-4ac3-9a90-690165a166b7" xsi:nil="true"/>
@@ -10903,6 +11000,15 @@
     <Template_x0020_details xmlns="40262f94-9f35-4ac3-9a90-690165a166b7" xsi:nil="true"/>
   </documentManagement>
 </p:properties>
+</file>
+
+<file path=customXml/item3.xml><?xml version="1.0" encoding="utf-8"?>
+<?mso-contentType ?>
+<FormTemplates xmlns="http://schemas.microsoft.com/sharepoint/v3/contenttype/forms">
+  <Display>DocumentLibraryForm</Display>
+  <Edit>DocumentLibraryForm</Edit>
+  <New>DocumentLibraryForm</New>
+</FormTemplates>
 </file>
 
 <file path=customXml/itemProps1.xml><?xml version="1.0" encoding="utf-8"?>
@@ -10925,14 +11031,6 @@
 </file>
 
 <file path=customXml/itemProps2.xml><?xml version="1.0" encoding="utf-8"?>
-<ds:datastoreItem xmlns:ds="http://schemas.openxmlformats.org/officeDocument/2006/customXml" ds:itemID="{308942AA-0721-4324-BC2C-A3CB43F24E71}">
-  <ds:schemaRefs>
-    <ds:schemaRef ds:uri="http://schemas.microsoft.com/sharepoint/v3/contenttype/forms"/>
-  </ds:schemaRefs>
-</ds:datastoreItem>
-</file>
-
-<file path=customXml/itemProps3.xml><?xml version="1.0" encoding="utf-8"?>
 <ds:datastoreItem xmlns:ds="http://schemas.openxmlformats.org/officeDocument/2006/customXml" ds:itemID="{5E700CCB-20BA-4760-AB9F-AC3B63ED32E0}">
   <ds:schemaRefs>
     <ds:schemaRef ds:uri="http://purl.org/dc/terms/"/>
@@ -10947,4 +11045,12 @@
     <ds:schemaRef ds:uri="http://www.w3.org/XML/1998/namespace"/>
   </ds:schemaRefs>
 </ds:datastoreItem>
+</file>
+
+<file path=customXml/itemProps3.xml><?xml version="1.0" encoding="utf-8"?>
+<ds:datastoreItem xmlns:ds="http://schemas.openxmlformats.org/officeDocument/2006/customXml" ds:itemID="{308942AA-0721-4324-BC2C-A3CB43F24E71}">
+  <ds:schemaRefs>
+    <ds:schemaRef ds:uri="http://schemas.microsoft.com/sharepoint/v3/contenttype/forms"/>
+  </ds:schemaRefs>
+</ds:datastoreItem>
 </file>
--- a/Team Docs/Sprint 2 Presentation.pptx
+++ b/Team Docs/Sprint 2 Presentation.pptx
@@ -838,6 +838,25 @@
               <a:buFont typeface="Arial" panose="020B0604020202020204" pitchFamily="34" charset="0"/>
               <a:buChar char="•"/>
             </a:pPr>
+            <a:endParaRPr lang="en-CA" dirty="0"/>
+          </a:p>
+          <a:p>
+            <a:pPr marL="0" indent="0">
+              <a:buFont typeface="Arial" panose="020B0604020202020204" pitchFamily="34" charset="0"/>
+              <a:buNone/>
+            </a:pPr>
+            <a:r>
+              <a:rPr lang="en-US" sz="1600" kern="1200" dirty="0">
+                <a:solidFill>
+                  <a:schemeClr val="tx1"/>
+                </a:solidFill>
+                <a:effectLst/>
+                <a:latin typeface="+mn-lt"/>
+                <a:ea typeface="+mn-ea"/>
+                <a:cs typeface="+mn-cs"/>
+              </a:rPr>
+              <a:t>After you checkout items, they appear in your virtual fridge and have their shelf lives displayed as expiration bars, and will notify you of items close to expiring. It helps you plan what you need to buy and make the most of what you have.</a:t>
+            </a:r>
             <a:endParaRPr lang="en-CA" dirty="0"/>
           </a:p>
         </p:txBody>
@@ -10992,6 +11011,15 @@
 </file>
 
 <file path=customXml/item2.xml><?xml version="1.0" encoding="utf-8"?>
+<?mso-contentType ?>
+<FormTemplates xmlns="http://schemas.microsoft.com/sharepoint/v3/contenttype/forms">
+  <Display>DocumentLibraryForm</Display>
+  <Edit>DocumentLibraryForm</Edit>
+  <New>DocumentLibraryForm</New>
+</FormTemplates>
+</file>
+
+<file path=customXml/item3.xml><?xml version="1.0" encoding="utf-8"?>
 <p:properties xmlns:p="http://schemas.microsoft.com/office/2006/metadata/properties" xmlns:xsi="http://www.w3.org/2001/XMLSchema-instance" xmlns:pc="http://schemas.microsoft.com/office/infopath/2007/PartnerControls">
   <documentManagement>
     <VSO_x0020_item_x0020_id xmlns="40262f94-9f35-4ac3-9a90-690165a166b7" xsi:nil="true"/>
@@ -11000,15 +11028,6 @@
     <Template_x0020_details xmlns="40262f94-9f35-4ac3-9a90-690165a166b7" xsi:nil="true"/>
   </documentManagement>
 </p:properties>
-</file>
-
-<file path=customXml/item3.xml><?xml version="1.0" encoding="utf-8"?>
-<?mso-contentType ?>
-<FormTemplates xmlns="http://schemas.microsoft.com/sharepoint/v3/contenttype/forms">
-  <Display>DocumentLibraryForm</Display>
-  <Edit>DocumentLibraryForm</Edit>
-  <New>DocumentLibraryForm</New>
-</FormTemplates>
 </file>
 
 <file path=customXml/itemProps1.xml><?xml version="1.0" encoding="utf-8"?>
@@ -11031,6 +11050,14 @@
 </file>
 
 <file path=customXml/itemProps2.xml><?xml version="1.0" encoding="utf-8"?>
+<ds:datastoreItem xmlns:ds="http://schemas.openxmlformats.org/officeDocument/2006/customXml" ds:itemID="{308942AA-0721-4324-BC2C-A3CB43F24E71}">
+  <ds:schemaRefs>
+    <ds:schemaRef ds:uri="http://schemas.microsoft.com/sharepoint/v3/contenttype/forms"/>
+  </ds:schemaRefs>
+</ds:datastoreItem>
+</file>
+
+<file path=customXml/itemProps3.xml><?xml version="1.0" encoding="utf-8"?>
 <ds:datastoreItem xmlns:ds="http://schemas.openxmlformats.org/officeDocument/2006/customXml" ds:itemID="{5E700CCB-20BA-4760-AB9F-AC3B63ED32E0}">
   <ds:schemaRefs>
     <ds:schemaRef ds:uri="http://purl.org/dc/terms/"/>
@@ -11045,12 +11072,4 @@
     <ds:schemaRef ds:uri="http://www.w3.org/XML/1998/namespace"/>
   </ds:schemaRefs>
 </ds:datastoreItem>
-</file>
-
-<file path=customXml/itemProps3.xml><?xml version="1.0" encoding="utf-8"?>
-<ds:datastoreItem xmlns:ds="http://schemas.openxmlformats.org/officeDocument/2006/customXml" ds:itemID="{308942AA-0721-4324-BC2C-A3CB43F24E71}">
-  <ds:schemaRefs>
-    <ds:schemaRef ds:uri="http://schemas.microsoft.com/sharepoint/v3/contenttype/forms"/>
-  </ds:schemaRefs>
-</ds:datastoreItem>
 </file>
--- a/Team Docs/Sprint 2 Presentation.pptx
+++ b/Team Docs/Sprint 2 Presentation.pptx
@@ -237,7 +237,7 @@
           <a:p>
             <a:fld id="{705E03B7-B591-4A2A-B695-014C5A39F13E}" type="datetimeFigureOut">
               <a:rPr lang="en-US"/>
-              <a:t>5/14/2017</a:t>
+              <a:t>5/15/2017</a:t>
             </a:fld>
             <a:endParaRPr/>
           </a:p>
@@ -402,7 +402,7 @@
           <a:p>
             <a:fld id="{67DFBD7B-E4FB-4AA8-9540-FD148073ACB3}" type="datetimeFigureOut">
               <a:rPr lang="en-US"/>
-              <a:t>5/14/2017</a:t>
+              <a:t>5/15/2017</a:t>
             </a:fld>
             <a:endParaRPr/>
           </a:p>
@@ -1875,7 +1875,7 @@
           <a:p>
             <a:fld id="{A7209051-6E81-43E8-9099-FF6A0C3DCFE8}" type="datetime1">
               <a:rPr lang="en-US"/>
-              <a:t>5/14/2017</a:t>
+              <a:t>5/15/2017</a:t>
             </a:fld>
             <a:endParaRPr/>
           </a:p>
@@ -2076,7 +2076,7 @@
           <a:p>
             <a:fld id="{EDCEAB04-7709-4C1E-A61A-74684A0170FC}" type="datetime1">
               <a:rPr lang="en-US"/>
-              <a:t>5/14/2017</a:t>
+              <a:t>5/15/2017</a:t>
             </a:fld>
             <a:endParaRPr/>
           </a:p>
@@ -2626,7 +2626,7 @@
           <a:p>
             <a:fld id="{0C79BD0D-E0B1-4CED-AC65-708AC79EB9CD}" type="datetime1">
               <a:rPr lang="en-US"/>
-              <a:t>5/14/2017</a:t>
+              <a:t>5/15/2017</a:t>
             </a:fld>
             <a:endParaRPr/>
           </a:p>
@@ -2827,7 +2827,7 @@
           <a:p>
             <a:fld id="{0CC3EA6D-DF0B-4D4B-B359-5F1D1D0E30A4}" type="datetime1">
               <a:rPr lang="en-US"/>
-              <a:t>5/14/2017</a:t>
+              <a:t>5/15/2017</a:t>
             </a:fld>
             <a:endParaRPr/>
           </a:p>
@@ -3431,7 +3431,7 @@
           <a:p>
             <a:fld id="{977EDB99-15BC-4479-BAC5-1E502E66917A}" type="datetime1">
               <a:rPr lang="en-US"/>
-              <a:t>5/14/2017</a:t>
+              <a:t>5/15/2017</a:t>
             </a:fld>
             <a:endParaRPr/>
           </a:p>
@@ -3743,7 +3743,7 @@
           <a:p>
             <a:fld id="{4067C2A3-CD19-48AB-9F64-ECCF75182EDD}" type="datetime1">
               <a:rPr lang="en-US"/>
-              <a:t>5/14/2017</a:t>
+              <a:t>5/15/2017</a:t>
             </a:fld>
             <a:endParaRPr/>
           </a:p>
@@ -4205,7 +4205,7 @@
           <a:p>
             <a:fld id="{0363E8C1-7C87-4705-AB97-8CD17D208E3F}" type="datetime1">
               <a:rPr lang="en-US"/>
-              <a:t>5/14/2017</a:t>
+              <a:t>5/15/2017</a:t>
             </a:fld>
             <a:endParaRPr/>
           </a:p>
@@ -4338,7 +4338,7 @@
           <a:p>
             <a:fld id="{E20C624E-DF92-4841-B9B9-DD11AA239B85}" type="datetime1">
               <a:rPr lang="en-US"/>
-              <a:t>5/14/2017</a:t>
+              <a:t>5/15/2017</a:t>
             </a:fld>
             <a:endParaRPr/>
           </a:p>
@@ -4631,7 +4631,7 @@
           <a:p>
             <a:fld id="{FBDA3AE1-4360-4D5B-BDBC-656B872DD533}" type="datetime1">
               <a:rPr lang="en-US"/>
-              <a:t>5/14/2017</a:t>
+              <a:t>5/15/2017</a:t>
             </a:fld>
             <a:endParaRPr/>
           </a:p>
@@ -4930,7 +4930,7 @@
           <a:p>
             <a:fld id="{20990708-46A4-4851-883E-8DFB8939107E}" type="datetime1">
               <a:rPr lang="en-US"/>
-              <a:t>5/14/2017</a:t>
+              <a:t>5/15/2017</a:t>
             </a:fld>
             <a:endParaRPr/>
           </a:p>
@@ -5214,7 +5214,7 @@
           <a:p>
             <a:fld id="{AE88EFFC-86AE-4294-A319-CAFC2651994B}" type="datetime1">
               <a:rPr lang="en-US"/>
-              <a:t>5/14/2017</a:t>
+              <a:t>5/15/2017</a:t>
             </a:fld>
             <a:endParaRPr/>
           </a:p>
@@ -5796,7 +5796,7 @@
             <a:fld id="{D29E8617-6EA8-4B97-A5E8-E18E98765EE2}" type="datetime1">
               <a:rPr lang="en-US"/>
               <a:pPr/>
-              <a:t>5/14/2017</a:t>
+              <a:t>5/15/2017</a:t>
             </a:fld>
             <a:endParaRPr dirty="0"/>
           </a:p>
@@ -7417,7 +7417,7 @@
           <a:p>
             <a:r>
               <a:rPr lang="en-US" dirty="0"/>
-              <a:t>Research Data</a:t>
+              <a:t>Port Source Code to New Seed Project</a:t>
             </a:r>
           </a:p>
           <a:p>
@@ -7450,7 +7450,7 @@
           <a:p>
             <a:r>
               <a:rPr lang="en-US" dirty="0"/>
-              <a:t>Achieve Full baseline functionality</a:t>
+              <a:t>Research Expiration Data</a:t>
             </a:r>
           </a:p>
         </p:txBody>
@@ -7717,7 +7717,7 @@
               <a:rPr lang="en-CA" dirty="0">
                 <a:hlinkClick r:id="rId3"/>
               </a:rPr>
-              <a:t>https://grocerybuddy-fe337.firebaseapp.com/main</a:t>
+              <a:t>https://grocerybuddy-fe337.firebaseapp.com</a:t>
             </a:r>
             <a:endParaRPr lang="en-CA" dirty="0"/>
           </a:p>
@@ -10886,15 +10886,6 @@
 </file>
 
 <file path=customXml/item2.xml><?xml version="1.0" encoding="utf-8"?>
-<?mso-contentType ?>
-<FormTemplates xmlns="http://schemas.microsoft.com/sharepoint/v3/contenttype/forms">
-  <Display>DocumentLibraryForm</Display>
-  <Edit>DocumentLibraryForm</Edit>
-  <New>DocumentLibraryForm</New>
-</FormTemplates>
-</file>
-
-<file path=customXml/item3.xml><?xml version="1.0" encoding="utf-8"?>
 <p:properties xmlns:p="http://schemas.microsoft.com/office/2006/metadata/properties" xmlns:xsi="http://www.w3.org/2001/XMLSchema-instance" xmlns:pc="http://schemas.microsoft.com/office/infopath/2007/PartnerControls">
   <documentManagement>
     <VSO_x0020_item_x0020_id xmlns="40262f94-9f35-4ac3-9a90-690165a166b7" xsi:nil="true"/>
@@ -10903,6 +10894,15 @@
     <Template_x0020_details xmlns="40262f94-9f35-4ac3-9a90-690165a166b7" xsi:nil="true"/>
   </documentManagement>
 </p:properties>
+</file>
+
+<file path=customXml/item3.xml><?xml version="1.0" encoding="utf-8"?>
+<?mso-contentType ?>
+<FormTemplates xmlns="http://schemas.microsoft.com/sharepoint/v3/contenttype/forms">
+  <Display>DocumentLibraryForm</Display>
+  <Edit>DocumentLibraryForm</Edit>
+  <New>DocumentLibraryForm</New>
+</FormTemplates>
 </file>
 
 <file path=customXml/itemProps1.xml><?xml version="1.0" encoding="utf-8"?>
@@ -10925,14 +10925,6 @@
 </file>
 
 <file path=customXml/itemProps2.xml><?xml version="1.0" encoding="utf-8"?>
-<ds:datastoreItem xmlns:ds="http://schemas.openxmlformats.org/officeDocument/2006/customXml" ds:itemID="{308942AA-0721-4324-BC2C-A3CB43F24E71}">
-  <ds:schemaRefs>
-    <ds:schemaRef ds:uri="http://schemas.microsoft.com/sharepoint/v3/contenttype/forms"/>
-  </ds:schemaRefs>
-</ds:datastoreItem>
-</file>
-
-<file path=customXml/itemProps3.xml><?xml version="1.0" encoding="utf-8"?>
 <ds:datastoreItem xmlns:ds="http://schemas.openxmlformats.org/officeDocument/2006/customXml" ds:itemID="{5E700CCB-20BA-4760-AB9F-AC3B63ED32E0}">
   <ds:schemaRefs>
     <ds:schemaRef ds:uri="http://purl.org/dc/terms/"/>
@@ -10947,4 +10939,12 @@
     <ds:schemaRef ds:uri="http://www.w3.org/XML/1998/namespace"/>
   </ds:schemaRefs>
 </ds:datastoreItem>
+</file>
+
+<file path=customXml/itemProps3.xml><?xml version="1.0" encoding="utf-8"?>
+<ds:datastoreItem xmlns:ds="http://schemas.openxmlformats.org/officeDocument/2006/customXml" ds:itemID="{308942AA-0721-4324-BC2C-A3CB43F24E71}">
+  <ds:schemaRefs>
+    <ds:schemaRef ds:uri="http://schemas.microsoft.com/sharepoint/v3/contenttype/forms"/>
+  </ds:schemaRefs>
+</ds:datastoreItem>
 </file>